--- a/presentation/IaC_Terraform.pptx
+++ b/presentation/IaC_Terraform.pptx
@@ -5,10 +5,10 @@
     <p:sldMasterId id="2147483648" r:id="rId4"/>
   </p:sldMasterIdLst>
   <p:notesMasterIdLst>
-    <p:notesMasterId r:id="rId15"/>
+    <p:notesMasterId r:id="rId17"/>
   </p:notesMasterIdLst>
   <p:handoutMasterIdLst>
-    <p:handoutMasterId r:id="rId16"/>
+    <p:handoutMasterId r:id="rId18"/>
   </p:handoutMasterIdLst>
   <p:sldIdLst>
     <p:sldId id="256" r:id="rId5"/>
@@ -20,7 +20,9 @@
     <p:sldId id="266" r:id="rId11"/>
     <p:sldId id="267" r:id="rId12"/>
     <p:sldId id="268" r:id="rId13"/>
-    <p:sldId id="269" r:id="rId14"/>
+    <p:sldId id="271" r:id="rId14"/>
+    <p:sldId id="269" r:id="rId15"/>
+    <p:sldId id="270" r:id="rId16"/>
   </p:sldIdLst>
   <p:sldSz cx="12192000" cy="6858000"/>
   <p:notesSz cx="6858000" cy="9144000"/>
@@ -7178,7 +7180,7 @@
           <a:p>
             <a:fld id="{68416927-5E9C-4E77-85FE-EE4C81C1DE39}" type="datetimeFigureOut">
               <a:rPr lang="en-US" smtClean="0"/>
-              <a:t>11/21/2019</a:t>
+              <a:t>11/29/2019</a:t>
             </a:fld>
             <a:endParaRPr lang="en-US" dirty="0"/>
           </a:p>
@@ -7355,7 +7357,7 @@
           <a:p>
             <a:fld id="{FA798B7E-6604-4F74-86DB-B30627D56244}" type="datetimeFigureOut">
               <a:rPr lang="en-US" smtClean="0"/>
-              <a:t>11/21/2019</a:t>
+              <a:t>11/29/2019</a:t>
             </a:fld>
             <a:endParaRPr lang="en-US" dirty="0"/>
           </a:p>
@@ -12915,7 +12917,7 @@
           <a:p>
             <a:r>
               <a:rPr lang="en-US" dirty="0"/>
-              <a:t>End-to-End Architecture</a:t>
+              <a:t>Terraform Examples</a:t>
             </a:r>
           </a:p>
         </p:txBody>
@@ -13291,7 +13293,7 @@
           <p:cNvPr id="5" name="Content Placeholder 4">
             <a:extLst>
               <a:ext uri="{FF2B5EF4-FFF2-40B4-BE49-F238E27FC236}">
-                <a16:creationId xmlns:a16="http://schemas.microsoft.com/office/drawing/2014/main" id="{6C4CF317-53B9-4BBC-B470-1758655F60E9}"/>
+                <a16:creationId xmlns:a16="http://schemas.microsoft.com/office/drawing/2014/main" id="{0BAD7701-A665-49A0-91F3-C4FF6EEF4B8B}"/>
               </a:ext>
             </a:extLst>
           </p:cNvPr>
@@ -13304,13 +13306,567 @@
         </p:nvSpPr>
         <p:spPr>
           <a:xfrm>
-            <a:off x="838201" y="1825625"/>
-            <a:ext cx="5257799" cy="4351338"/>
+            <a:off x="838199" y="1825625"/>
+            <a:ext cx="10515599" cy="4351338"/>
           </a:xfrm>
         </p:spPr>
         <p:txBody>
           <a:bodyPr/>
           <a:lstStyle/>
+          <a:p>
+            <a:r>
+              <a:rPr lang="en-US" dirty="0"/>
+              <a:t>Terraform Example 1 - Basic</a:t>
+            </a:r>
+          </a:p>
+          <a:p>
+            <a:r>
+              <a:rPr lang="en-US" dirty="0"/>
+              <a:t>Terraform Example 2 – Less Basic</a:t>
+            </a:r>
+          </a:p>
+          <a:p>
+            <a:r>
+              <a:rPr lang="en-US" dirty="0"/>
+              <a:t>Terraform Example 3 – End to End Example</a:t>
+            </a:r>
+          </a:p>
+        </p:txBody>
+      </p:sp>
+    </p:spTree>
+    <p:extLst>
+      <p:ext uri="{BB962C8B-B14F-4D97-AF65-F5344CB8AC3E}">
+        <p14:creationId xmlns:p14="http://schemas.microsoft.com/office/powerpoint/2010/main" val="2830451848"/>
+      </p:ext>
+    </p:extLst>
+  </p:cSld>
+  <p:clrMapOvr>
+    <a:masterClrMapping/>
+  </p:clrMapOvr>
+</p:sld>
+</file>
+
+<file path=ppt/slides/slide11.xml><?xml version="1.0" encoding="utf-8"?>
+<p:sld xmlns:a="http://schemas.openxmlformats.org/drawingml/2006/main" xmlns:r="http://schemas.openxmlformats.org/officeDocument/2006/relationships" xmlns:p="http://schemas.openxmlformats.org/presentationml/2006/main">
+  <p:cSld>
+    <p:spTree>
+      <p:nvGrpSpPr>
+        <p:cNvPr id="1" name=""/>
+        <p:cNvGrpSpPr/>
+        <p:nvPr/>
+      </p:nvGrpSpPr>
+      <p:grpSpPr>
+        <a:xfrm>
+          <a:off x="0" y="0"/>
+          <a:ext cx="0" cy="0"/>
+          <a:chOff x="0" y="0"/>
+          <a:chExt cx="0" cy="0"/>
+        </a:xfrm>
+      </p:grpSpPr>
+      <p:sp>
+        <p:nvSpPr>
+          <p:cNvPr id="2" name="Title 1">
+            <a:extLst>
+              <a:ext uri="{FF2B5EF4-FFF2-40B4-BE49-F238E27FC236}">
+                <a16:creationId xmlns:a16="http://schemas.microsoft.com/office/drawing/2014/main" id="{E199600F-A17E-4354-A7AB-0CC2A43A9354}"/>
+              </a:ext>
+            </a:extLst>
+          </p:cNvPr>
+          <p:cNvSpPr>
+            <a:spLocks noGrp="1"/>
+          </p:cNvSpPr>
+          <p:nvPr>
+            <p:ph type="title"/>
+          </p:nvPr>
+        </p:nvSpPr>
+        <p:spPr>
+          <a:xfrm>
+            <a:off x="838200" y="611077"/>
+            <a:ext cx="10515600" cy="833663"/>
+          </a:xfrm>
+        </p:spPr>
+        <p:txBody>
+          <a:bodyPr/>
+          <a:lstStyle/>
+          <a:p>
+            <a:r>
+              <a:rPr lang="en-US" dirty="0"/>
+              <a:t>End-to-End Architecture</a:t>
+            </a:r>
+          </a:p>
+        </p:txBody>
+      </p:sp>
+      <p:sp>
+        <p:nvSpPr>
+          <p:cNvPr id="4" name="Slide Number Placeholder 3">
+            <a:extLst>
+              <a:ext uri="{FF2B5EF4-FFF2-40B4-BE49-F238E27FC236}">
+                <a16:creationId xmlns:a16="http://schemas.microsoft.com/office/drawing/2014/main" id="{62B4CE3A-8C88-45AA-A849-57E5A7AC22C1}"/>
+              </a:ext>
+            </a:extLst>
+          </p:cNvPr>
+          <p:cNvSpPr>
+            <a:spLocks noGrp="1"/>
+          </p:cNvSpPr>
+          <p:nvPr>
+            <p:ph type="sldNum" sz="quarter" idx="10"/>
+          </p:nvPr>
+        </p:nvSpPr>
+        <p:spPr>
+          <a:xfrm>
+            <a:off x="11353800" y="6361475"/>
+            <a:ext cx="838200" cy="360000"/>
+          </a:xfrm>
+        </p:spPr>
+        <p:txBody>
+          <a:bodyPr/>
+          <a:lstStyle/>
+          <a:p>
+            <a:r>
+              <a:rPr lang="en-US" dirty="0"/>
+              <a:t>PAGE </a:t>
+            </a:r>
+            <a:fld id="{4A9B5881-4007-4345-955A-79C2656F0C49}" type="slidenum">
+              <a:rPr lang="en-US" smtClean="0"/>
+              <a:pPr/>
+              <a:t>11</a:t>
+            </a:fld>
+            <a:endParaRPr lang="en-US" dirty="0"/>
+          </a:p>
+        </p:txBody>
+      </p:sp>
+      <p:sp>
+        <p:nvSpPr>
+          <p:cNvPr id="8" name="Rectangle 7">
+            <a:extLst>
+              <a:ext uri="{FF2B5EF4-FFF2-40B4-BE49-F238E27FC236}">
+                <a16:creationId xmlns:a16="http://schemas.microsoft.com/office/drawing/2014/main" id="{52C2DB72-01A8-424A-8CEF-8BD2418A8D25}"/>
+              </a:ext>
+              <a:ext uri="{C183D7F6-B498-43B3-948B-1728B52AA6E4}">
+                <adec:decorative xmlns:adec="http://schemas.microsoft.com/office/drawing/2017/decorative" val="1"/>
+              </a:ext>
+            </a:extLst>
+          </p:cNvPr>
+          <p:cNvSpPr/>
+          <p:nvPr/>
+        </p:nvSpPr>
+        <p:spPr>
+          <a:xfrm>
+            <a:off x="1145309" y="6562003"/>
+            <a:ext cx="2552123" cy="159471"/>
+          </a:xfrm>
+          <a:prstGeom prst="rect">
+            <a:avLst/>
+          </a:prstGeom>
+          <a:gradFill>
+            <a:gsLst>
+              <a:gs pos="0">
+                <a:schemeClr val="accent2"/>
+              </a:gs>
+              <a:gs pos="100000">
+                <a:schemeClr val="tx1">
+                  <a:lumMod val="75000"/>
+                  <a:lumOff val="25000"/>
+                </a:schemeClr>
+              </a:gs>
+            </a:gsLst>
+            <a:lin ang="0" scaled="0"/>
+          </a:gradFill>
+          <a:ln>
+            <a:noFill/>
+          </a:ln>
+        </p:spPr>
+        <p:style>
+          <a:lnRef idx="2">
+            <a:schemeClr val="accent1">
+              <a:shade val="50000"/>
+            </a:schemeClr>
+          </a:lnRef>
+          <a:fillRef idx="1">
+            <a:schemeClr val="accent1"/>
+          </a:fillRef>
+          <a:effectRef idx="0">
+            <a:schemeClr val="accent1"/>
+          </a:effectRef>
+          <a:fontRef idx="minor">
+            <a:schemeClr val="lt1"/>
+          </a:fontRef>
+        </p:style>
+        <p:txBody>
+          <a:bodyPr anchor="ctr"/>
+          <a:lstStyle/>
+          <a:p>
+            <a:pPr algn="ctr"/>
+            <a:r>
+              <a:rPr lang="en-US" sz="1200" dirty="0"/>
+              <a:t>What is </a:t>
+            </a:r>
+            <a:r>
+              <a:rPr lang="en-US" sz="1200" dirty="0" err="1"/>
+              <a:t>Iac</a:t>
+            </a:r>
+            <a:r>
+              <a:rPr lang="en-US" sz="1200" dirty="0"/>
+              <a:t>?</a:t>
+            </a:r>
+          </a:p>
+        </p:txBody>
+      </p:sp>
+      <p:sp>
+        <p:nvSpPr>
+          <p:cNvPr id="10" name="Rectangle 9">
+            <a:extLst>
+              <a:ext uri="{FF2B5EF4-FFF2-40B4-BE49-F238E27FC236}">
+                <a16:creationId xmlns:a16="http://schemas.microsoft.com/office/drawing/2014/main" id="{95AAAEAA-CCF6-4E36-A4A3-5AF49D00995B}"/>
+              </a:ext>
+              <a:ext uri="{C183D7F6-B498-43B3-948B-1728B52AA6E4}">
+                <adec:decorative xmlns:adec="http://schemas.microsoft.com/office/drawing/2017/decorative" val="1"/>
+              </a:ext>
+            </a:extLst>
+          </p:cNvPr>
+          <p:cNvSpPr/>
+          <p:nvPr/>
+        </p:nvSpPr>
+        <p:spPr>
+          <a:xfrm>
+            <a:off x="3697432" y="6562002"/>
+            <a:ext cx="2552123" cy="159473"/>
+          </a:xfrm>
+          <a:prstGeom prst="rect">
+            <a:avLst/>
+          </a:prstGeom>
+          <a:solidFill>
+            <a:schemeClr val="tx1">
+              <a:lumMod val="75000"/>
+              <a:lumOff val="25000"/>
+            </a:schemeClr>
+          </a:solidFill>
+          <a:ln>
+            <a:noFill/>
+          </a:ln>
+        </p:spPr>
+        <p:style>
+          <a:lnRef idx="2">
+            <a:schemeClr val="accent1">
+              <a:shade val="50000"/>
+            </a:schemeClr>
+          </a:lnRef>
+          <a:fillRef idx="1">
+            <a:schemeClr val="accent1"/>
+          </a:fillRef>
+          <a:effectRef idx="0">
+            <a:schemeClr val="accent1"/>
+          </a:effectRef>
+          <a:fontRef idx="minor">
+            <a:schemeClr val="lt1"/>
+          </a:fontRef>
+        </p:style>
+        <p:txBody>
+          <a:bodyPr anchor="ctr"/>
+          <a:lstStyle/>
+          <a:p>
+            <a:pPr algn="ctr"/>
+            <a:r>
+              <a:rPr lang="en-US" sz="1200" dirty="0"/>
+              <a:t>Why is </a:t>
+            </a:r>
+            <a:r>
+              <a:rPr lang="en-US" sz="1200" dirty="0" err="1"/>
+              <a:t>IaC</a:t>
+            </a:r>
+            <a:r>
+              <a:rPr lang="en-US" sz="1200" dirty="0"/>
+              <a:t> Important?</a:t>
+            </a:r>
+          </a:p>
+        </p:txBody>
+      </p:sp>
+      <p:sp>
+        <p:nvSpPr>
+          <p:cNvPr id="11" name="Rectangle 10">
+            <a:extLst>
+              <a:ext uri="{FF2B5EF4-FFF2-40B4-BE49-F238E27FC236}">
+                <a16:creationId xmlns:a16="http://schemas.microsoft.com/office/drawing/2014/main" id="{5F253864-26FA-4AB1-9F0A-4F57D870EE85}"/>
+              </a:ext>
+              <a:ext uri="{C183D7F6-B498-43B3-948B-1728B52AA6E4}">
+                <adec:decorative xmlns:adec="http://schemas.microsoft.com/office/drawing/2017/decorative" val="1"/>
+              </a:ext>
+            </a:extLst>
+          </p:cNvPr>
+          <p:cNvSpPr/>
+          <p:nvPr/>
+        </p:nvSpPr>
+        <p:spPr>
+          <a:xfrm>
+            <a:off x="6249555" y="6562002"/>
+            <a:ext cx="2552123" cy="159474"/>
+          </a:xfrm>
+          <a:prstGeom prst="rect">
+            <a:avLst/>
+          </a:prstGeom>
+          <a:solidFill>
+            <a:schemeClr val="tx1">
+              <a:lumMod val="85000"/>
+              <a:lumOff val="15000"/>
+            </a:schemeClr>
+          </a:solidFill>
+          <a:ln>
+            <a:noFill/>
+          </a:ln>
+        </p:spPr>
+        <p:style>
+          <a:lnRef idx="2">
+            <a:schemeClr val="accent1">
+              <a:shade val="50000"/>
+            </a:schemeClr>
+          </a:lnRef>
+          <a:fillRef idx="1">
+            <a:schemeClr val="accent1"/>
+          </a:fillRef>
+          <a:effectRef idx="0">
+            <a:schemeClr val="accent1"/>
+          </a:effectRef>
+          <a:fontRef idx="minor">
+            <a:schemeClr val="lt1"/>
+          </a:fontRef>
+        </p:style>
+        <p:txBody>
+          <a:bodyPr anchor="ctr"/>
+          <a:lstStyle/>
+          <a:p>
+            <a:pPr algn="ctr"/>
+            <a:r>
+              <a:rPr lang="en-US" sz="1200" dirty="0" err="1"/>
+              <a:t>IaC</a:t>
+            </a:r>
+            <a:r>
+              <a:rPr lang="en-US" sz="1200" dirty="0"/>
+              <a:t> Implementations</a:t>
+            </a:r>
+          </a:p>
+        </p:txBody>
+      </p:sp>
+      <p:sp>
+        <p:nvSpPr>
+          <p:cNvPr id="12" name="Rectangle 11">
+            <a:extLst>
+              <a:ext uri="{FF2B5EF4-FFF2-40B4-BE49-F238E27FC236}">
+                <a16:creationId xmlns:a16="http://schemas.microsoft.com/office/drawing/2014/main" id="{84949406-858F-4224-BC48-197463899896}"/>
+              </a:ext>
+              <a:ext uri="{C183D7F6-B498-43B3-948B-1728B52AA6E4}">
+                <adec:decorative xmlns:adec="http://schemas.microsoft.com/office/drawing/2017/decorative" val="1"/>
+              </a:ext>
+            </a:extLst>
+          </p:cNvPr>
+          <p:cNvSpPr/>
+          <p:nvPr/>
+        </p:nvSpPr>
+        <p:spPr>
+          <a:xfrm>
+            <a:off x="8801677" y="6361476"/>
+            <a:ext cx="2552123" cy="360000"/>
+          </a:xfrm>
+          <a:prstGeom prst="rect">
+            <a:avLst/>
+          </a:prstGeom>
+          <a:solidFill>
+            <a:schemeClr val="tx1">
+              <a:lumMod val="95000"/>
+              <a:lumOff val="5000"/>
+            </a:schemeClr>
+          </a:solidFill>
+          <a:ln>
+            <a:noFill/>
+          </a:ln>
+        </p:spPr>
+        <p:style>
+          <a:lnRef idx="2">
+            <a:schemeClr val="accent1">
+              <a:shade val="50000"/>
+            </a:schemeClr>
+          </a:lnRef>
+          <a:fillRef idx="1">
+            <a:schemeClr val="accent1"/>
+          </a:fillRef>
+          <a:effectRef idx="0">
+            <a:schemeClr val="accent1"/>
+          </a:effectRef>
+          <a:fontRef idx="minor">
+            <a:schemeClr val="lt1"/>
+          </a:fontRef>
+        </p:style>
+        <p:txBody>
+          <a:bodyPr anchor="ctr"/>
+          <a:lstStyle/>
+          <a:p>
+            <a:pPr algn="ctr"/>
+            <a:r>
+              <a:rPr lang="en-US" sz="1200" dirty="0"/>
+              <a:t>Examples</a:t>
+            </a:r>
+          </a:p>
+        </p:txBody>
+      </p:sp>
+      <p:sp>
+        <p:nvSpPr>
+          <p:cNvPr id="14" name="Isosceles Triangle 13">
+            <a:extLst>
+              <a:ext uri="{FF2B5EF4-FFF2-40B4-BE49-F238E27FC236}">
+                <a16:creationId xmlns:a16="http://schemas.microsoft.com/office/drawing/2014/main" id="{1D0A4E21-00BC-4451-94C9-943503852954}"/>
+              </a:ext>
+              <a:ext uri="{C183D7F6-B498-43B3-948B-1728B52AA6E4}">
+                <adec:decorative xmlns:adec="http://schemas.microsoft.com/office/drawing/2017/decorative" val="1"/>
+              </a:ext>
+            </a:extLst>
+          </p:cNvPr>
+          <p:cNvSpPr/>
+          <p:nvPr/>
+        </p:nvSpPr>
+        <p:spPr>
+          <a:xfrm rot="10800000">
+            <a:off x="10006314" y="6224125"/>
+            <a:ext cx="142847" cy="91567"/>
+          </a:xfrm>
+          <a:prstGeom prst="triangle">
+            <a:avLst/>
+          </a:prstGeom>
+          <a:solidFill>
+            <a:schemeClr val="bg1"/>
+          </a:solidFill>
+          <a:ln>
+            <a:noFill/>
+          </a:ln>
+        </p:spPr>
+        <p:style>
+          <a:lnRef idx="2">
+            <a:schemeClr val="accent1">
+              <a:shade val="50000"/>
+            </a:schemeClr>
+          </a:lnRef>
+          <a:fillRef idx="1">
+            <a:schemeClr val="accent1"/>
+          </a:fillRef>
+          <a:effectRef idx="0">
+            <a:schemeClr val="accent1"/>
+          </a:effectRef>
+          <a:fontRef idx="minor">
+            <a:schemeClr val="lt1"/>
+          </a:fontRef>
+        </p:style>
+        <p:txBody>
+          <a:bodyPr rtlCol="0" anchor="ctr"/>
+          <a:lstStyle/>
+          <a:p>
+            <a:pPr algn="ctr"/>
+            <a:endParaRPr lang="en-US" dirty="0"/>
+          </a:p>
+        </p:txBody>
+      </p:sp>
+      <p:sp>
+        <p:nvSpPr>
+          <p:cNvPr id="5" name="Content Placeholder 4">
+            <a:extLst>
+              <a:ext uri="{FF2B5EF4-FFF2-40B4-BE49-F238E27FC236}">
+                <a16:creationId xmlns:a16="http://schemas.microsoft.com/office/drawing/2014/main" id="{6C4CF317-53B9-4BBC-B470-1758655F60E9}"/>
+              </a:ext>
+            </a:extLst>
+          </p:cNvPr>
+          <p:cNvSpPr>
+            <a:spLocks noGrp="1"/>
+          </p:cNvSpPr>
+          <p:nvPr>
+            <p:ph idx="1"/>
+          </p:nvPr>
+        </p:nvSpPr>
+        <p:spPr>
+          <a:xfrm>
+            <a:off x="838200" y="1692751"/>
+            <a:ext cx="10515600" cy="4351338"/>
+          </a:xfrm>
+        </p:spPr>
+        <p:txBody>
+          <a:bodyPr numCol="2"/>
+          <a:lstStyle/>
+          <a:p>
+            <a:r>
+              <a:rPr lang="en-US" dirty="0"/>
+              <a:t>classicguildbank.com</a:t>
+            </a:r>
+          </a:p>
+          <a:p>
+            <a:pPr lvl="1"/>
+            <a:r>
+              <a:rPr lang="en-US" dirty="0"/>
+              <a:t>Had existing ‘prod’</a:t>
+            </a:r>
+          </a:p>
+          <a:p>
+            <a:pPr lvl="1"/>
+            <a:r>
+              <a:rPr lang="en-US" dirty="0"/>
+              <a:t>Needed a test infrastructure</a:t>
+            </a:r>
+          </a:p>
+          <a:p>
+            <a:pPr marL="457200" lvl="1" indent="0">
+              <a:buNone/>
+            </a:pPr>
+            <a:endParaRPr lang="en-US" dirty="0"/>
+          </a:p>
+          <a:p>
+            <a:pPr marL="457200" lvl="1" indent="0">
+              <a:buNone/>
+            </a:pPr>
+            <a:endParaRPr lang="en-US" dirty="0"/>
+          </a:p>
+          <a:p>
+            <a:pPr marL="457200" lvl="1" indent="0">
+              <a:buNone/>
+            </a:pPr>
+            <a:endParaRPr lang="en-US" dirty="0"/>
+          </a:p>
+          <a:p>
+            <a:pPr marL="457200" lvl="1" indent="0">
+              <a:buNone/>
+            </a:pPr>
+            <a:endParaRPr lang="en-US" dirty="0"/>
+          </a:p>
+          <a:p>
+            <a:pPr marL="457200" lvl="1" indent="0">
+              <a:buNone/>
+            </a:pPr>
+            <a:endParaRPr lang="en-US" dirty="0"/>
+          </a:p>
+          <a:p>
+            <a:pPr marL="457200" lvl="1" indent="0">
+              <a:buNone/>
+            </a:pPr>
+            <a:endParaRPr lang="en-US" dirty="0"/>
+          </a:p>
+          <a:p>
+            <a:pPr marL="457200" lvl="1" indent="0">
+              <a:buNone/>
+            </a:pPr>
+            <a:endParaRPr lang="en-US" dirty="0"/>
+          </a:p>
+          <a:p>
+            <a:pPr marL="457200" lvl="1" indent="0">
+              <a:buNone/>
+            </a:pPr>
+            <a:endParaRPr lang="en-US" dirty="0"/>
+          </a:p>
+          <a:p>
+            <a:pPr marL="457200" lvl="1" indent="0">
+              <a:buNone/>
+            </a:pPr>
+            <a:endParaRPr lang="en-US" dirty="0"/>
+          </a:p>
+          <a:p>
+            <a:pPr marL="457200" lvl="1" indent="0">
+              <a:buNone/>
+            </a:pPr>
+            <a:endParaRPr lang="en-US" dirty="0"/>
+          </a:p>
           <a:p>
             <a:r>
               <a:rPr lang="en-US" dirty="0"/>
@@ -13411,6 +13967,473 @@
     <p:extLst>
       <p:ext uri="{BB962C8B-B14F-4D97-AF65-F5344CB8AC3E}">
         <p14:creationId xmlns:p14="http://schemas.microsoft.com/office/powerpoint/2010/main" val="883521540"/>
+      </p:ext>
+    </p:extLst>
+  </p:cSld>
+  <p:clrMapOvr>
+    <a:masterClrMapping/>
+  </p:clrMapOvr>
+</p:sld>
+</file>
+
+<file path=ppt/slides/slide12.xml><?xml version="1.0" encoding="utf-8"?>
+<p:sld xmlns:a="http://schemas.openxmlformats.org/drawingml/2006/main" xmlns:r="http://schemas.openxmlformats.org/officeDocument/2006/relationships" xmlns:p="http://schemas.openxmlformats.org/presentationml/2006/main">
+  <p:cSld>
+    <p:spTree>
+      <p:nvGrpSpPr>
+        <p:cNvPr id="1" name=""/>
+        <p:cNvGrpSpPr/>
+        <p:nvPr/>
+      </p:nvGrpSpPr>
+      <p:grpSpPr>
+        <a:xfrm>
+          <a:off x="0" y="0"/>
+          <a:ext cx="0" cy="0"/>
+          <a:chOff x="0" y="0"/>
+          <a:chExt cx="0" cy="0"/>
+        </a:xfrm>
+      </p:grpSpPr>
+      <p:sp>
+        <p:nvSpPr>
+          <p:cNvPr id="2" name="Title 1">
+            <a:extLst>
+              <a:ext uri="{FF2B5EF4-FFF2-40B4-BE49-F238E27FC236}">
+                <a16:creationId xmlns:a16="http://schemas.microsoft.com/office/drawing/2014/main" id="{E199600F-A17E-4354-A7AB-0CC2A43A9354}"/>
+              </a:ext>
+            </a:extLst>
+          </p:cNvPr>
+          <p:cNvSpPr>
+            <a:spLocks noGrp="1"/>
+          </p:cNvSpPr>
+          <p:nvPr>
+            <p:ph type="title"/>
+          </p:nvPr>
+        </p:nvSpPr>
+        <p:spPr>
+          <a:xfrm>
+            <a:off x="838200" y="611077"/>
+            <a:ext cx="10515600" cy="833663"/>
+          </a:xfrm>
+        </p:spPr>
+        <p:txBody>
+          <a:bodyPr/>
+          <a:lstStyle/>
+          <a:p>
+            <a:r>
+              <a:rPr lang="en-US" dirty="0"/>
+              <a:t>Slides / Examples</a:t>
+            </a:r>
+          </a:p>
+        </p:txBody>
+      </p:sp>
+      <p:sp>
+        <p:nvSpPr>
+          <p:cNvPr id="4" name="Slide Number Placeholder 3">
+            <a:extLst>
+              <a:ext uri="{FF2B5EF4-FFF2-40B4-BE49-F238E27FC236}">
+                <a16:creationId xmlns:a16="http://schemas.microsoft.com/office/drawing/2014/main" id="{62B4CE3A-8C88-45AA-A849-57E5A7AC22C1}"/>
+              </a:ext>
+            </a:extLst>
+          </p:cNvPr>
+          <p:cNvSpPr>
+            <a:spLocks noGrp="1"/>
+          </p:cNvSpPr>
+          <p:nvPr>
+            <p:ph type="sldNum" sz="quarter" idx="10"/>
+          </p:nvPr>
+        </p:nvSpPr>
+        <p:spPr>
+          <a:xfrm>
+            <a:off x="11353800" y="6361475"/>
+            <a:ext cx="838200" cy="360000"/>
+          </a:xfrm>
+        </p:spPr>
+        <p:txBody>
+          <a:bodyPr/>
+          <a:lstStyle/>
+          <a:p>
+            <a:r>
+              <a:rPr lang="en-US" dirty="0"/>
+              <a:t>PAGE </a:t>
+            </a:r>
+            <a:fld id="{4A9B5881-4007-4345-955A-79C2656F0C49}" type="slidenum">
+              <a:rPr lang="en-US" smtClean="0"/>
+              <a:pPr/>
+              <a:t>12</a:t>
+            </a:fld>
+            <a:endParaRPr lang="en-US" dirty="0"/>
+          </a:p>
+        </p:txBody>
+      </p:sp>
+      <p:sp>
+        <p:nvSpPr>
+          <p:cNvPr id="8" name="Rectangle 7">
+            <a:extLst>
+              <a:ext uri="{FF2B5EF4-FFF2-40B4-BE49-F238E27FC236}">
+                <a16:creationId xmlns:a16="http://schemas.microsoft.com/office/drawing/2014/main" id="{52C2DB72-01A8-424A-8CEF-8BD2418A8D25}"/>
+              </a:ext>
+              <a:ext uri="{C183D7F6-B498-43B3-948B-1728B52AA6E4}">
+                <adec:decorative xmlns:adec="http://schemas.microsoft.com/office/drawing/2017/decorative" val="1"/>
+              </a:ext>
+            </a:extLst>
+          </p:cNvPr>
+          <p:cNvSpPr/>
+          <p:nvPr/>
+        </p:nvSpPr>
+        <p:spPr>
+          <a:xfrm>
+            <a:off x="1145309" y="6562003"/>
+            <a:ext cx="2552123" cy="159471"/>
+          </a:xfrm>
+          <a:prstGeom prst="rect">
+            <a:avLst/>
+          </a:prstGeom>
+          <a:gradFill>
+            <a:gsLst>
+              <a:gs pos="0">
+                <a:schemeClr val="accent2"/>
+              </a:gs>
+              <a:gs pos="100000">
+                <a:schemeClr val="tx1">
+                  <a:lumMod val="75000"/>
+                  <a:lumOff val="25000"/>
+                </a:schemeClr>
+              </a:gs>
+            </a:gsLst>
+            <a:lin ang="0" scaled="0"/>
+          </a:gradFill>
+          <a:ln>
+            <a:noFill/>
+          </a:ln>
+        </p:spPr>
+        <p:style>
+          <a:lnRef idx="2">
+            <a:schemeClr val="accent1">
+              <a:shade val="50000"/>
+            </a:schemeClr>
+          </a:lnRef>
+          <a:fillRef idx="1">
+            <a:schemeClr val="accent1"/>
+          </a:fillRef>
+          <a:effectRef idx="0">
+            <a:schemeClr val="accent1"/>
+          </a:effectRef>
+          <a:fontRef idx="minor">
+            <a:schemeClr val="lt1"/>
+          </a:fontRef>
+        </p:style>
+        <p:txBody>
+          <a:bodyPr anchor="ctr"/>
+          <a:lstStyle/>
+          <a:p>
+            <a:pPr algn="ctr"/>
+            <a:r>
+              <a:rPr lang="en-US" sz="1200" dirty="0"/>
+              <a:t>What is </a:t>
+            </a:r>
+            <a:r>
+              <a:rPr lang="en-US" sz="1200" dirty="0" err="1"/>
+              <a:t>Iac</a:t>
+            </a:r>
+            <a:r>
+              <a:rPr lang="en-US" sz="1200" dirty="0"/>
+              <a:t>?</a:t>
+            </a:r>
+          </a:p>
+        </p:txBody>
+      </p:sp>
+      <p:sp>
+        <p:nvSpPr>
+          <p:cNvPr id="10" name="Rectangle 9">
+            <a:extLst>
+              <a:ext uri="{FF2B5EF4-FFF2-40B4-BE49-F238E27FC236}">
+                <a16:creationId xmlns:a16="http://schemas.microsoft.com/office/drawing/2014/main" id="{95AAAEAA-CCF6-4E36-A4A3-5AF49D00995B}"/>
+              </a:ext>
+              <a:ext uri="{C183D7F6-B498-43B3-948B-1728B52AA6E4}">
+                <adec:decorative xmlns:adec="http://schemas.microsoft.com/office/drawing/2017/decorative" val="1"/>
+              </a:ext>
+            </a:extLst>
+          </p:cNvPr>
+          <p:cNvSpPr/>
+          <p:nvPr/>
+        </p:nvSpPr>
+        <p:spPr>
+          <a:xfrm>
+            <a:off x="3697432" y="6562002"/>
+            <a:ext cx="2552123" cy="159473"/>
+          </a:xfrm>
+          <a:prstGeom prst="rect">
+            <a:avLst/>
+          </a:prstGeom>
+          <a:solidFill>
+            <a:schemeClr val="tx1">
+              <a:lumMod val="75000"/>
+              <a:lumOff val="25000"/>
+            </a:schemeClr>
+          </a:solidFill>
+          <a:ln>
+            <a:noFill/>
+          </a:ln>
+        </p:spPr>
+        <p:style>
+          <a:lnRef idx="2">
+            <a:schemeClr val="accent1">
+              <a:shade val="50000"/>
+            </a:schemeClr>
+          </a:lnRef>
+          <a:fillRef idx="1">
+            <a:schemeClr val="accent1"/>
+          </a:fillRef>
+          <a:effectRef idx="0">
+            <a:schemeClr val="accent1"/>
+          </a:effectRef>
+          <a:fontRef idx="minor">
+            <a:schemeClr val="lt1"/>
+          </a:fontRef>
+        </p:style>
+        <p:txBody>
+          <a:bodyPr anchor="ctr"/>
+          <a:lstStyle/>
+          <a:p>
+            <a:pPr algn="ctr"/>
+            <a:r>
+              <a:rPr lang="en-US" sz="1200" dirty="0"/>
+              <a:t>Why is </a:t>
+            </a:r>
+            <a:r>
+              <a:rPr lang="en-US" sz="1200" dirty="0" err="1"/>
+              <a:t>IaC</a:t>
+            </a:r>
+            <a:r>
+              <a:rPr lang="en-US" sz="1200" dirty="0"/>
+              <a:t> Important?</a:t>
+            </a:r>
+          </a:p>
+        </p:txBody>
+      </p:sp>
+      <p:sp>
+        <p:nvSpPr>
+          <p:cNvPr id="11" name="Rectangle 10">
+            <a:extLst>
+              <a:ext uri="{FF2B5EF4-FFF2-40B4-BE49-F238E27FC236}">
+                <a16:creationId xmlns:a16="http://schemas.microsoft.com/office/drawing/2014/main" id="{5F253864-26FA-4AB1-9F0A-4F57D870EE85}"/>
+              </a:ext>
+              <a:ext uri="{C183D7F6-B498-43B3-948B-1728B52AA6E4}">
+                <adec:decorative xmlns:adec="http://schemas.microsoft.com/office/drawing/2017/decorative" val="1"/>
+              </a:ext>
+            </a:extLst>
+          </p:cNvPr>
+          <p:cNvSpPr/>
+          <p:nvPr/>
+        </p:nvSpPr>
+        <p:spPr>
+          <a:xfrm>
+            <a:off x="6249555" y="6562002"/>
+            <a:ext cx="2552123" cy="159474"/>
+          </a:xfrm>
+          <a:prstGeom prst="rect">
+            <a:avLst/>
+          </a:prstGeom>
+          <a:solidFill>
+            <a:schemeClr val="tx1">
+              <a:lumMod val="85000"/>
+              <a:lumOff val="15000"/>
+            </a:schemeClr>
+          </a:solidFill>
+          <a:ln>
+            <a:noFill/>
+          </a:ln>
+        </p:spPr>
+        <p:style>
+          <a:lnRef idx="2">
+            <a:schemeClr val="accent1">
+              <a:shade val="50000"/>
+            </a:schemeClr>
+          </a:lnRef>
+          <a:fillRef idx="1">
+            <a:schemeClr val="accent1"/>
+          </a:fillRef>
+          <a:effectRef idx="0">
+            <a:schemeClr val="accent1"/>
+          </a:effectRef>
+          <a:fontRef idx="minor">
+            <a:schemeClr val="lt1"/>
+          </a:fontRef>
+        </p:style>
+        <p:txBody>
+          <a:bodyPr anchor="ctr"/>
+          <a:lstStyle/>
+          <a:p>
+            <a:pPr algn="ctr"/>
+            <a:r>
+              <a:rPr lang="en-US" sz="1200" dirty="0" err="1"/>
+              <a:t>IaC</a:t>
+            </a:r>
+            <a:r>
+              <a:rPr lang="en-US" sz="1200" dirty="0"/>
+              <a:t> Implementations</a:t>
+            </a:r>
+          </a:p>
+        </p:txBody>
+      </p:sp>
+      <p:sp>
+        <p:nvSpPr>
+          <p:cNvPr id="12" name="Rectangle 11">
+            <a:extLst>
+              <a:ext uri="{FF2B5EF4-FFF2-40B4-BE49-F238E27FC236}">
+                <a16:creationId xmlns:a16="http://schemas.microsoft.com/office/drawing/2014/main" id="{84949406-858F-4224-BC48-197463899896}"/>
+              </a:ext>
+              <a:ext uri="{C183D7F6-B498-43B3-948B-1728B52AA6E4}">
+                <adec:decorative xmlns:adec="http://schemas.microsoft.com/office/drawing/2017/decorative" val="1"/>
+              </a:ext>
+            </a:extLst>
+          </p:cNvPr>
+          <p:cNvSpPr/>
+          <p:nvPr/>
+        </p:nvSpPr>
+        <p:spPr>
+          <a:xfrm>
+            <a:off x="8801677" y="6361476"/>
+            <a:ext cx="2552123" cy="360000"/>
+          </a:xfrm>
+          <a:prstGeom prst="rect">
+            <a:avLst/>
+          </a:prstGeom>
+          <a:solidFill>
+            <a:schemeClr val="tx1">
+              <a:lumMod val="95000"/>
+              <a:lumOff val="5000"/>
+            </a:schemeClr>
+          </a:solidFill>
+          <a:ln>
+            <a:noFill/>
+          </a:ln>
+        </p:spPr>
+        <p:style>
+          <a:lnRef idx="2">
+            <a:schemeClr val="accent1">
+              <a:shade val="50000"/>
+            </a:schemeClr>
+          </a:lnRef>
+          <a:fillRef idx="1">
+            <a:schemeClr val="accent1"/>
+          </a:fillRef>
+          <a:effectRef idx="0">
+            <a:schemeClr val="accent1"/>
+          </a:effectRef>
+          <a:fontRef idx="minor">
+            <a:schemeClr val="lt1"/>
+          </a:fontRef>
+        </p:style>
+        <p:txBody>
+          <a:bodyPr anchor="ctr"/>
+          <a:lstStyle/>
+          <a:p>
+            <a:pPr algn="ctr"/>
+            <a:r>
+              <a:rPr lang="en-US" sz="1200" dirty="0"/>
+              <a:t>Examples</a:t>
+            </a:r>
+          </a:p>
+        </p:txBody>
+      </p:sp>
+      <p:sp>
+        <p:nvSpPr>
+          <p:cNvPr id="14" name="Isosceles Triangle 13">
+            <a:extLst>
+              <a:ext uri="{FF2B5EF4-FFF2-40B4-BE49-F238E27FC236}">
+                <a16:creationId xmlns:a16="http://schemas.microsoft.com/office/drawing/2014/main" id="{1D0A4E21-00BC-4451-94C9-943503852954}"/>
+              </a:ext>
+              <a:ext uri="{C183D7F6-B498-43B3-948B-1728B52AA6E4}">
+                <adec:decorative xmlns:adec="http://schemas.microsoft.com/office/drawing/2017/decorative" val="1"/>
+              </a:ext>
+            </a:extLst>
+          </p:cNvPr>
+          <p:cNvSpPr/>
+          <p:nvPr/>
+        </p:nvSpPr>
+        <p:spPr>
+          <a:xfrm rot="10800000">
+            <a:off x="10006314" y="6224125"/>
+            <a:ext cx="142847" cy="91567"/>
+          </a:xfrm>
+          <a:prstGeom prst="triangle">
+            <a:avLst/>
+          </a:prstGeom>
+          <a:solidFill>
+            <a:schemeClr val="bg1"/>
+          </a:solidFill>
+          <a:ln>
+            <a:noFill/>
+          </a:ln>
+        </p:spPr>
+        <p:style>
+          <a:lnRef idx="2">
+            <a:schemeClr val="accent1">
+              <a:shade val="50000"/>
+            </a:schemeClr>
+          </a:lnRef>
+          <a:fillRef idx="1">
+            <a:schemeClr val="accent1"/>
+          </a:fillRef>
+          <a:effectRef idx="0">
+            <a:schemeClr val="accent1"/>
+          </a:effectRef>
+          <a:fontRef idx="minor">
+            <a:schemeClr val="lt1"/>
+          </a:fontRef>
+        </p:style>
+        <p:txBody>
+          <a:bodyPr rtlCol="0" anchor="ctr"/>
+          <a:lstStyle/>
+          <a:p>
+            <a:pPr algn="ctr"/>
+            <a:endParaRPr lang="en-US" dirty="0"/>
+          </a:p>
+        </p:txBody>
+      </p:sp>
+      <p:sp>
+        <p:nvSpPr>
+          <p:cNvPr id="5" name="Content Placeholder 4">
+            <a:extLst>
+              <a:ext uri="{FF2B5EF4-FFF2-40B4-BE49-F238E27FC236}">
+                <a16:creationId xmlns:a16="http://schemas.microsoft.com/office/drawing/2014/main" id="{6C4CF317-53B9-4BBC-B470-1758655F60E9}"/>
+              </a:ext>
+            </a:extLst>
+          </p:cNvPr>
+          <p:cNvSpPr>
+            <a:spLocks noGrp="1"/>
+          </p:cNvSpPr>
+          <p:nvPr>
+            <p:ph idx="1"/>
+          </p:nvPr>
+        </p:nvSpPr>
+        <p:spPr>
+          <a:xfrm>
+            <a:off x="838200" y="1825625"/>
+            <a:ext cx="10515599" cy="4351338"/>
+          </a:xfrm>
+        </p:spPr>
+        <p:txBody>
+          <a:bodyPr>
+            <a:normAutofit/>
+          </a:bodyPr>
+          <a:lstStyle/>
+          <a:p>
+            <a:r>
+              <a:rPr lang="en-US" sz="3200" dirty="0">
+                <a:hlinkClick r:id="rId2"/>
+              </a:rPr>
+              <a:t>https://github.com/athielking/TerraformExamples</a:t>
+            </a:r>
+            <a:endParaRPr lang="en-US" sz="3200" dirty="0"/>
+          </a:p>
+        </p:txBody>
+      </p:sp>
+    </p:spTree>
+    <p:extLst>
+      <p:ext uri="{BB962C8B-B14F-4D97-AF65-F5344CB8AC3E}">
+        <p14:creationId xmlns:p14="http://schemas.microsoft.com/office/powerpoint/2010/main" val="4194717449"/>
       </p:ext>
     </p:extLst>
   </p:cSld>
@@ -13475,21 +14498,6 @@
           <a:lstStyle/>
           <a:p>
             <a:pPr algn="r"/>
-            <a:r>
-              <a:rPr lang="en-US" dirty="0">
-                <a:solidFill>
-                  <a:schemeClr val="bg1"/>
-                </a:solidFill>
-              </a:rPr>
-              <a:t>Course</a:t>
-            </a:r>
-            <a:br>
-              <a:rPr lang="en-US" dirty="0">
-                <a:solidFill>
-                  <a:schemeClr val="bg1"/>
-                </a:solidFill>
-              </a:rPr>
-            </a:br>
             <a:r>
               <a:rPr lang="en-US" dirty="0">
                 <a:solidFill>
@@ -14534,6 +15542,276 @@
   <p:clrMapOvr>
     <a:masterClrMapping/>
   </p:clrMapOvr>
+  <p:timing>
+    <p:tnLst>
+      <p:par>
+        <p:cTn id="1" dur="indefinite" restart="never" nodeType="tmRoot">
+          <p:childTnLst>
+            <p:seq concurrent="1" nextAc="seek">
+              <p:cTn id="2" dur="indefinite" nodeType="mainSeq">
+                <p:childTnLst>
+                  <p:par>
+                    <p:cTn id="3" fill="hold">
+                      <p:stCondLst>
+                        <p:cond delay="indefinite"/>
+                      </p:stCondLst>
+                      <p:childTnLst>
+                        <p:par>
+                          <p:cTn id="4" fill="hold">
+                            <p:stCondLst>
+                              <p:cond delay="0"/>
+                            </p:stCondLst>
+                            <p:childTnLst>
+                              <p:par>
+                                <p:cTn id="5" presetID="1" presetClass="entr" presetSubtype="0" fill="hold" nodeType="clickEffect">
+                                  <p:stCondLst>
+                                    <p:cond delay="0"/>
+                                  </p:stCondLst>
+                                  <p:childTnLst>
+                                    <p:set>
+                                      <p:cBhvr>
+                                        <p:cTn id="6" dur="1" fill="hold">
+                                          <p:stCondLst>
+                                            <p:cond delay="0"/>
+                                          </p:stCondLst>
+                                        </p:cTn>
+                                        <p:tgtEl>
+                                          <p:spTgt spid="3">
+                                            <p:txEl>
+                                              <p:pRg st="0" end="0"/>
+                                            </p:txEl>
+                                          </p:spTgt>
+                                        </p:tgtEl>
+                                        <p:attrNameLst>
+                                          <p:attrName>style.visibility</p:attrName>
+                                        </p:attrNameLst>
+                                      </p:cBhvr>
+                                      <p:to>
+                                        <p:strVal val="visible"/>
+                                      </p:to>
+                                    </p:set>
+                                  </p:childTnLst>
+                                </p:cTn>
+                              </p:par>
+                            </p:childTnLst>
+                          </p:cTn>
+                        </p:par>
+                      </p:childTnLst>
+                    </p:cTn>
+                  </p:par>
+                  <p:par>
+                    <p:cTn id="7" fill="hold">
+                      <p:stCondLst>
+                        <p:cond delay="indefinite"/>
+                      </p:stCondLst>
+                      <p:childTnLst>
+                        <p:par>
+                          <p:cTn id="8" fill="hold">
+                            <p:stCondLst>
+                              <p:cond delay="0"/>
+                            </p:stCondLst>
+                            <p:childTnLst>
+                              <p:par>
+                                <p:cTn id="9" presetID="1" presetClass="entr" presetSubtype="0" fill="hold" nodeType="clickEffect">
+                                  <p:stCondLst>
+                                    <p:cond delay="0"/>
+                                  </p:stCondLst>
+                                  <p:childTnLst>
+                                    <p:set>
+                                      <p:cBhvr>
+                                        <p:cTn id="10" dur="1" fill="hold">
+                                          <p:stCondLst>
+                                            <p:cond delay="0"/>
+                                          </p:stCondLst>
+                                        </p:cTn>
+                                        <p:tgtEl>
+                                          <p:spTgt spid="3">
+                                            <p:txEl>
+                                              <p:pRg st="1" end="1"/>
+                                            </p:txEl>
+                                          </p:spTgt>
+                                        </p:tgtEl>
+                                        <p:attrNameLst>
+                                          <p:attrName>style.visibility</p:attrName>
+                                        </p:attrNameLst>
+                                      </p:cBhvr>
+                                      <p:to>
+                                        <p:strVal val="visible"/>
+                                      </p:to>
+                                    </p:set>
+                                  </p:childTnLst>
+                                </p:cTn>
+                              </p:par>
+                            </p:childTnLst>
+                          </p:cTn>
+                        </p:par>
+                      </p:childTnLst>
+                    </p:cTn>
+                  </p:par>
+                  <p:par>
+                    <p:cTn id="11" fill="hold">
+                      <p:stCondLst>
+                        <p:cond delay="indefinite"/>
+                      </p:stCondLst>
+                      <p:childTnLst>
+                        <p:par>
+                          <p:cTn id="12" fill="hold">
+                            <p:stCondLst>
+                              <p:cond delay="0"/>
+                            </p:stCondLst>
+                            <p:childTnLst>
+                              <p:par>
+                                <p:cTn id="13" presetID="1" presetClass="entr" presetSubtype="0" fill="hold" nodeType="clickEffect">
+                                  <p:stCondLst>
+                                    <p:cond delay="0"/>
+                                  </p:stCondLst>
+                                  <p:childTnLst>
+                                    <p:set>
+                                      <p:cBhvr>
+                                        <p:cTn id="14" dur="1" fill="hold">
+                                          <p:stCondLst>
+                                            <p:cond delay="0"/>
+                                          </p:stCondLst>
+                                        </p:cTn>
+                                        <p:tgtEl>
+                                          <p:spTgt spid="3">
+                                            <p:txEl>
+                                              <p:pRg st="2" end="2"/>
+                                            </p:txEl>
+                                          </p:spTgt>
+                                        </p:tgtEl>
+                                        <p:attrNameLst>
+                                          <p:attrName>style.visibility</p:attrName>
+                                        </p:attrNameLst>
+                                      </p:cBhvr>
+                                      <p:to>
+                                        <p:strVal val="visible"/>
+                                      </p:to>
+                                    </p:set>
+                                  </p:childTnLst>
+                                </p:cTn>
+                              </p:par>
+                              <p:par>
+                                <p:cTn id="15" presetID="1" presetClass="entr" presetSubtype="0" fill="hold" nodeType="withEffect">
+                                  <p:stCondLst>
+                                    <p:cond delay="0"/>
+                                  </p:stCondLst>
+                                  <p:childTnLst>
+                                    <p:set>
+                                      <p:cBhvr>
+                                        <p:cTn id="16" dur="1" fill="hold">
+                                          <p:stCondLst>
+                                            <p:cond delay="0"/>
+                                          </p:stCondLst>
+                                        </p:cTn>
+                                        <p:tgtEl>
+                                          <p:spTgt spid="3">
+                                            <p:txEl>
+                                              <p:pRg st="3" end="3"/>
+                                            </p:txEl>
+                                          </p:spTgt>
+                                        </p:tgtEl>
+                                        <p:attrNameLst>
+                                          <p:attrName>style.visibility</p:attrName>
+                                        </p:attrNameLst>
+                                      </p:cBhvr>
+                                      <p:to>
+                                        <p:strVal val="visible"/>
+                                      </p:to>
+                                    </p:set>
+                                  </p:childTnLst>
+                                </p:cTn>
+                              </p:par>
+                              <p:par>
+                                <p:cTn id="17" presetID="1" presetClass="entr" presetSubtype="0" fill="hold" nodeType="withEffect">
+                                  <p:stCondLst>
+                                    <p:cond delay="0"/>
+                                  </p:stCondLst>
+                                  <p:childTnLst>
+                                    <p:set>
+                                      <p:cBhvr>
+                                        <p:cTn id="18" dur="1" fill="hold">
+                                          <p:stCondLst>
+                                            <p:cond delay="0"/>
+                                          </p:stCondLst>
+                                        </p:cTn>
+                                        <p:tgtEl>
+                                          <p:spTgt spid="3">
+                                            <p:txEl>
+                                              <p:pRg st="4" end="4"/>
+                                            </p:txEl>
+                                          </p:spTgt>
+                                        </p:tgtEl>
+                                        <p:attrNameLst>
+                                          <p:attrName>style.visibility</p:attrName>
+                                        </p:attrNameLst>
+                                      </p:cBhvr>
+                                      <p:to>
+                                        <p:strVal val="visible"/>
+                                      </p:to>
+                                    </p:set>
+                                  </p:childTnLst>
+                                </p:cTn>
+                              </p:par>
+                              <p:par>
+                                <p:cTn id="19" presetID="1" presetClass="entr" presetSubtype="0" fill="hold" nodeType="withEffect">
+                                  <p:stCondLst>
+                                    <p:cond delay="0"/>
+                                  </p:stCondLst>
+                                  <p:childTnLst>
+                                    <p:set>
+                                      <p:cBhvr>
+                                        <p:cTn id="20" dur="1" fill="hold">
+                                          <p:stCondLst>
+                                            <p:cond delay="0"/>
+                                          </p:stCondLst>
+                                        </p:cTn>
+                                        <p:tgtEl>
+                                          <p:spTgt spid="3">
+                                            <p:txEl>
+                                              <p:pRg st="5" end="5"/>
+                                            </p:txEl>
+                                          </p:spTgt>
+                                        </p:tgtEl>
+                                        <p:attrNameLst>
+                                          <p:attrName>style.visibility</p:attrName>
+                                        </p:attrNameLst>
+                                      </p:cBhvr>
+                                      <p:to>
+                                        <p:strVal val="visible"/>
+                                      </p:to>
+                                    </p:set>
+                                  </p:childTnLst>
+                                </p:cTn>
+                              </p:par>
+                            </p:childTnLst>
+                          </p:cTn>
+                        </p:par>
+                      </p:childTnLst>
+                    </p:cTn>
+                  </p:par>
+                </p:childTnLst>
+              </p:cTn>
+              <p:prevCondLst>
+                <p:cond evt="onPrev" delay="0">
+                  <p:tgtEl>
+                    <p:sldTgt/>
+                  </p:tgtEl>
+                </p:cond>
+              </p:prevCondLst>
+              <p:nextCondLst>
+                <p:cond evt="onNext" delay="0">
+                  <p:tgtEl>
+                    <p:sldTgt/>
+                  </p:tgtEl>
+                </p:cond>
+              </p:nextCondLst>
+            </p:seq>
+          </p:childTnLst>
+        </p:cTn>
+      </p:par>
+    </p:tnLst>
+  </p:timing>
 </p:sld>
 </file>
 
@@ -15052,6 +16330,343 @@
   <p:clrMapOvr>
     <a:masterClrMapping/>
   </p:clrMapOvr>
+  <p:timing>
+    <p:tnLst>
+      <p:par>
+        <p:cTn id="1" dur="indefinite" restart="never" nodeType="tmRoot">
+          <p:childTnLst>
+            <p:seq concurrent="1" nextAc="seek">
+              <p:cTn id="2" dur="indefinite" nodeType="mainSeq">
+                <p:childTnLst>
+                  <p:par>
+                    <p:cTn id="3" fill="hold">
+                      <p:stCondLst>
+                        <p:cond delay="indefinite"/>
+                      </p:stCondLst>
+                      <p:childTnLst>
+                        <p:par>
+                          <p:cTn id="4" fill="hold">
+                            <p:stCondLst>
+                              <p:cond delay="0"/>
+                            </p:stCondLst>
+                            <p:childTnLst>
+                              <p:par>
+                                <p:cTn id="5" presetID="1" presetClass="entr" presetSubtype="0" fill="hold" nodeType="clickEffect">
+                                  <p:stCondLst>
+                                    <p:cond delay="0"/>
+                                  </p:stCondLst>
+                                  <p:childTnLst>
+                                    <p:set>
+                                      <p:cBhvr>
+                                        <p:cTn id="6" dur="1" fill="hold">
+                                          <p:stCondLst>
+                                            <p:cond delay="0"/>
+                                          </p:stCondLst>
+                                        </p:cTn>
+                                        <p:tgtEl>
+                                          <p:spTgt spid="3">
+                                            <p:txEl>
+                                              <p:pRg st="0" end="0"/>
+                                            </p:txEl>
+                                          </p:spTgt>
+                                        </p:tgtEl>
+                                        <p:attrNameLst>
+                                          <p:attrName>style.visibility</p:attrName>
+                                        </p:attrNameLst>
+                                      </p:cBhvr>
+                                      <p:to>
+                                        <p:strVal val="visible"/>
+                                      </p:to>
+                                    </p:set>
+                                  </p:childTnLst>
+                                </p:cTn>
+                              </p:par>
+                            </p:childTnLst>
+                          </p:cTn>
+                        </p:par>
+                      </p:childTnLst>
+                    </p:cTn>
+                  </p:par>
+                  <p:par>
+                    <p:cTn id="7" fill="hold">
+                      <p:stCondLst>
+                        <p:cond delay="indefinite"/>
+                      </p:stCondLst>
+                      <p:childTnLst>
+                        <p:par>
+                          <p:cTn id="8" fill="hold">
+                            <p:stCondLst>
+                              <p:cond delay="0"/>
+                            </p:stCondLst>
+                            <p:childTnLst>
+                              <p:par>
+                                <p:cTn id="9" presetID="1" presetClass="entr" presetSubtype="0" fill="hold" nodeType="clickEffect">
+                                  <p:stCondLst>
+                                    <p:cond delay="0"/>
+                                  </p:stCondLst>
+                                  <p:childTnLst>
+                                    <p:set>
+                                      <p:cBhvr>
+                                        <p:cTn id="10" dur="1" fill="hold">
+                                          <p:stCondLst>
+                                            <p:cond delay="0"/>
+                                          </p:stCondLst>
+                                        </p:cTn>
+                                        <p:tgtEl>
+                                          <p:spTgt spid="3">
+                                            <p:txEl>
+                                              <p:pRg st="1" end="1"/>
+                                            </p:txEl>
+                                          </p:spTgt>
+                                        </p:tgtEl>
+                                        <p:attrNameLst>
+                                          <p:attrName>style.visibility</p:attrName>
+                                        </p:attrNameLst>
+                                      </p:cBhvr>
+                                      <p:to>
+                                        <p:strVal val="visible"/>
+                                      </p:to>
+                                    </p:set>
+                                  </p:childTnLst>
+                                </p:cTn>
+                              </p:par>
+                              <p:par>
+                                <p:cTn id="11" presetID="1" presetClass="entr" presetSubtype="0" fill="hold" nodeType="withEffect">
+                                  <p:stCondLst>
+                                    <p:cond delay="0"/>
+                                  </p:stCondLst>
+                                  <p:childTnLst>
+                                    <p:set>
+                                      <p:cBhvr>
+                                        <p:cTn id="12" dur="1" fill="hold">
+                                          <p:stCondLst>
+                                            <p:cond delay="0"/>
+                                          </p:stCondLst>
+                                        </p:cTn>
+                                        <p:tgtEl>
+                                          <p:spTgt spid="3">
+                                            <p:txEl>
+                                              <p:pRg st="2" end="2"/>
+                                            </p:txEl>
+                                          </p:spTgt>
+                                        </p:tgtEl>
+                                        <p:attrNameLst>
+                                          <p:attrName>style.visibility</p:attrName>
+                                        </p:attrNameLst>
+                                      </p:cBhvr>
+                                      <p:to>
+                                        <p:strVal val="visible"/>
+                                      </p:to>
+                                    </p:set>
+                                  </p:childTnLst>
+                                </p:cTn>
+                              </p:par>
+                            </p:childTnLst>
+                          </p:cTn>
+                        </p:par>
+                      </p:childTnLst>
+                    </p:cTn>
+                  </p:par>
+                  <p:par>
+                    <p:cTn id="13" fill="hold">
+                      <p:stCondLst>
+                        <p:cond delay="indefinite"/>
+                      </p:stCondLst>
+                      <p:childTnLst>
+                        <p:par>
+                          <p:cTn id="14" fill="hold">
+                            <p:stCondLst>
+                              <p:cond delay="0"/>
+                            </p:stCondLst>
+                            <p:childTnLst>
+                              <p:par>
+                                <p:cTn id="15" presetID="1" presetClass="entr" presetSubtype="0" fill="hold" nodeType="clickEffect">
+                                  <p:stCondLst>
+                                    <p:cond delay="0"/>
+                                  </p:stCondLst>
+                                  <p:childTnLst>
+                                    <p:set>
+                                      <p:cBhvr>
+                                        <p:cTn id="16" dur="1" fill="hold">
+                                          <p:stCondLst>
+                                            <p:cond delay="0"/>
+                                          </p:stCondLst>
+                                        </p:cTn>
+                                        <p:tgtEl>
+                                          <p:spTgt spid="3">
+                                            <p:txEl>
+                                              <p:pRg st="3" end="3"/>
+                                            </p:txEl>
+                                          </p:spTgt>
+                                        </p:tgtEl>
+                                        <p:attrNameLst>
+                                          <p:attrName>style.visibility</p:attrName>
+                                        </p:attrNameLst>
+                                      </p:cBhvr>
+                                      <p:to>
+                                        <p:strVal val="visible"/>
+                                      </p:to>
+                                    </p:set>
+                                  </p:childTnLst>
+                                </p:cTn>
+                              </p:par>
+                            </p:childTnLst>
+                          </p:cTn>
+                        </p:par>
+                      </p:childTnLst>
+                    </p:cTn>
+                  </p:par>
+                  <p:par>
+                    <p:cTn id="17" fill="hold">
+                      <p:stCondLst>
+                        <p:cond delay="indefinite"/>
+                      </p:stCondLst>
+                      <p:childTnLst>
+                        <p:par>
+                          <p:cTn id="18" fill="hold">
+                            <p:stCondLst>
+                              <p:cond delay="0"/>
+                            </p:stCondLst>
+                            <p:childTnLst>
+                              <p:par>
+                                <p:cTn id="19" presetID="1" presetClass="entr" presetSubtype="0" fill="hold" nodeType="clickEffect">
+                                  <p:stCondLst>
+                                    <p:cond delay="0"/>
+                                  </p:stCondLst>
+                                  <p:childTnLst>
+                                    <p:set>
+                                      <p:cBhvr>
+                                        <p:cTn id="20" dur="1" fill="hold">
+                                          <p:stCondLst>
+                                            <p:cond delay="0"/>
+                                          </p:stCondLst>
+                                        </p:cTn>
+                                        <p:tgtEl>
+                                          <p:spTgt spid="3">
+                                            <p:txEl>
+                                              <p:pRg st="4" end="4"/>
+                                            </p:txEl>
+                                          </p:spTgt>
+                                        </p:tgtEl>
+                                        <p:attrNameLst>
+                                          <p:attrName>style.visibility</p:attrName>
+                                        </p:attrNameLst>
+                                      </p:cBhvr>
+                                      <p:to>
+                                        <p:strVal val="visible"/>
+                                      </p:to>
+                                    </p:set>
+                                  </p:childTnLst>
+                                </p:cTn>
+                              </p:par>
+                            </p:childTnLst>
+                          </p:cTn>
+                        </p:par>
+                      </p:childTnLst>
+                    </p:cTn>
+                  </p:par>
+                  <p:par>
+                    <p:cTn id="21" fill="hold">
+                      <p:stCondLst>
+                        <p:cond delay="indefinite"/>
+                      </p:stCondLst>
+                      <p:childTnLst>
+                        <p:par>
+                          <p:cTn id="22" fill="hold">
+                            <p:stCondLst>
+                              <p:cond delay="0"/>
+                            </p:stCondLst>
+                            <p:childTnLst>
+                              <p:par>
+                                <p:cTn id="23" presetID="1" presetClass="entr" presetSubtype="0" fill="hold" nodeType="clickEffect">
+                                  <p:stCondLst>
+                                    <p:cond delay="0"/>
+                                  </p:stCondLst>
+                                  <p:childTnLst>
+                                    <p:set>
+                                      <p:cBhvr>
+                                        <p:cTn id="24" dur="1" fill="hold">
+                                          <p:stCondLst>
+                                            <p:cond delay="0"/>
+                                          </p:stCondLst>
+                                        </p:cTn>
+                                        <p:tgtEl>
+                                          <p:spTgt spid="3">
+                                            <p:txEl>
+                                              <p:pRg st="5" end="5"/>
+                                            </p:txEl>
+                                          </p:spTgt>
+                                        </p:tgtEl>
+                                        <p:attrNameLst>
+                                          <p:attrName>style.visibility</p:attrName>
+                                        </p:attrNameLst>
+                                      </p:cBhvr>
+                                      <p:to>
+                                        <p:strVal val="visible"/>
+                                      </p:to>
+                                    </p:set>
+                                  </p:childTnLst>
+                                </p:cTn>
+                              </p:par>
+                              <p:par>
+                                <p:cTn id="25" presetID="1" presetClass="entr" presetSubtype="0" fill="hold" nodeType="withEffect">
+                                  <p:stCondLst>
+                                    <p:cond delay="0"/>
+                                  </p:stCondLst>
+                                  <p:childTnLst>
+                                    <p:set>
+                                      <p:cBhvr>
+                                        <p:cTn id="26" dur="1" fill="hold">
+                                          <p:stCondLst>
+                                            <p:cond delay="0"/>
+                                          </p:stCondLst>
+                                        </p:cTn>
+                                        <p:tgtEl>
+                                          <p:spTgt spid="3">
+                                            <p:txEl>
+                                              <p:pRg st="6" end="6"/>
+                                            </p:txEl>
+                                          </p:spTgt>
+                                        </p:tgtEl>
+                                        <p:attrNameLst>
+                                          <p:attrName>style.visibility</p:attrName>
+                                        </p:attrNameLst>
+                                      </p:cBhvr>
+                                      <p:to>
+                                        <p:strVal val="visible"/>
+                                      </p:to>
+                                    </p:set>
+                                  </p:childTnLst>
+                                </p:cTn>
+                              </p:par>
+                            </p:childTnLst>
+                          </p:cTn>
+                        </p:par>
+                      </p:childTnLst>
+                    </p:cTn>
+                  </p:par>
+                </p:childTnLst>
+              </p:cTn>
+              <p:prevCondLst>
+                <p:cond evt="onPrev" delay="0">
+                  <p:tgtEl>
+                    <p:sldTgt/>
+                  </p:tgtEl>
+                </p:cond>
+              </p:prevCondLst>
+              <p:nextCondLst>
+                <p:cond evt="onNext" delay="0">
+                  <p:tgtEl>
+                    <p:sldTgt/>
+                  </p:tgtEl>
+                </p:cond>
+              </p:nextCondLst>
+            </p:seq>
+          </p:childTnLst>
+        </p:cTn>
+      </p:par>
+    </p:tnLst>
+  </p:timing>
 </p:sld>
 </file>
 
@@ -16252,6 +17867,307 @@
   <p:clrMapOvr>
     <a:masterClrMapping/>
   </p:clrMapOvr>
+  <p:timing>
+    <p:tnLst>
+      <p:par>
+        <p:cTn id="1" dur="indefinite" restart="never" nodeType="tmRoot">
+          <p:childTnLst>
+            <p:seq concurrent="1" nextAc="seek">
+              <p:cTn id="2" dur="indefinite" nodeType="mainSeq">
+                <p:childTnLst>
+                  <p:par>
+                    <p:cTn id="3" fill="hold">
+                      <p:stCondLst>
+                        <p:cond delay="indefinite"/>
+                      </p:stCondLst>
+                      <p:childTnLst>
+                        <p:par>
+                          <p:cTn id="4" fill="hold">
+                            <p:stCondLst>
+                              <p:cond delay="0"/>
+                            </p:stCondLst>
+                            <p:childTnLst>
+                              <p:par>
+                                <p:cTn id="5" presetID="1" presetClass="entr" presetSubtype="0" fill="hold" nodeType="clickEffect">
+                                  <p:stCondLst>
+                                    <p:cond delay="0"/>
+                                  </p:stCondLst>
+                                  <p:childTnLst>
+                                    <p:set>
+                                      <p:cBhvr>
+                                        <p:cTn id="6" dur="1" fill="hold">
+                                          <p:stCondLst>
+                                            <p:cond delay="0"/>
+                                          </p:stCondLst>
+                                        </p:cTn>
+                                        <p:tgtEl>
+                                          <p:spTgt spid="3">
+                                            <p:txEl>
+                                              <p:pRg st="0" end="0"/>
+                                            </p:txEl>
+                                          </p:spTgt>
+                                        </p:tgtEl>
+                                        <p:attrNameLst>
+                                          <p:attrName>style.visibility</p:attrName>
+                                        </p:attrNameLst>
+                                      </p:cBhvr>
+                                      <p:to>
+                                        <p:strVal val="visible"/>
+                                      </p:to>
+                                    </p:set>
+                                  </p:childTnLst>
+                                </p:cTn>
+                              </p:par>
+                            </p:childTnLst>
+                          </p:cTn>
+                        </p:par>
+                      </p:childTnLst>
+                    </p:cTn>
+                  </p:par>
+                  <p:par>
+                    <p:cTn id="7" fill="hold">
+                      <p:stCondLst>
+                        <p:cond delay="indefinite"/>
+                      </p:stCondLst>
+                      <p:childTnLst>
+                        <p:par>
+                          <p:cTn id="8" fill="hold">
+                            <p:stCondLst>
+                              <p:cond delay="0"/>
+                            </p:stCondLst>
+                            <p:childTnLst>
+                              <p:par>
+                                <p:cTn id="9" presetID="1" presetClass="entr" presetSubtype="0" fill="hold" nodeType="clickEffect">
+                                  <p:stCondLst>
+                                    <p:cond delay="0"/>
+                                  </p:stCondLst>
+                                  <p:childTnLst>
+                                    <p:set>
+                                      <p:cBhvr>
+                                        <p:cTn id="10" dur="1" fill="hold">
+                                          <p:stCondLst>
+                                            <p:cond delay="0"/>
+                                          </p:stCondLst>
+                                        </p:cTn>
+                                        <p:tgtEl>
+                                          <p:spTgt spid="3">
+                                            <p:txEl>
+                                              <p:pRg st="1" end="1"/>
+                                            </p:txEl>
+                                          </p:spTgt>
+                                        </p:tgtEl>
+                                        <p:attrNameLst>
+                                          <p:attrName>style.visibility</p:attrName>
+                                        </p:attrNameLst>
+                                      </p:cBhvr>
+                                      <p:to>
+                                        <p:strVal val="visible"/>
+                                      </p:to>
+                                    </p:set>
+                                  </p:childTnLst>
+                                </p:cTn>
+                              </p:par>
+                            </p:childTnLst>
+                          </p:cTn>
+                        </p:par>
+                      </p:childTnLst>
+                    </p:cTn>
+                  </p:par>
+                  <p:par>
+                    <p:cTn id="11" fill="hold">
+                      <p:stCondLst>
+                        <p:cond delay="indefinite"/>
+                      </p:stCondLst>
+                      <p:childTnLst>
+                        <p:par>
+                          <p:cTn id="12" fill="hold">
+                            <p:stCondLst>
+                              <p:cond delay="0"/>
+                            </p:stCondLst>
+                            <p:childTnLst>
+                              <p:par>
+                                <p:cTn id="13" presetID="1" presetClass="entr" presetSubtype="0" fill="hold" nodeType="clickEffect">
+                                  <p:stCondLst>
+                                    <p:cond delay="0"/>
+                                  </p:stCondLst>
+                                  <p:childTnLst>
+                                    <p:set>
+                                      <p:cBhvr>
+                                        <p:cTn id="14" dur="1" fill="hold">
+                                          <p:stCondLst>
+                                            <p:cond delay="0"/>
+                                          </p:stCondLst>
+                                        </p:cTn>
+                                        <p:tgtEl>
+                                          <p:spTgt spid="3">
+                                            <p:txEl>
+                                              <p:pRg st="2" end="2"/>
+                                            </p:txEl>
+                                          </p:spTgt>
+                                        </p:tgtEl>
+                                        <p:attrNameLst>
+                                          <p:attrName>style.visibility</p:attrName>
+                                        </p:attrNameLst>
+                                      </p:cBhvr>
+                                      <p:to>
+                                        <p:strVal val="visible"/>
+                                      </p:to>
+                                    </p:set>
+                                  </p:childTnLst>
+                                </p:cTn>
+                              </p:par>
+                              <p:par>
+                                <p:cTn id="15" presetID="1" presetClass="entr" presetSubtype="0" fill="hold" nodeType="withEffect">
+                                  <p:stCondLst>
+                                    <p:cond delay="0"/>
+                                  </p:stCondLst>
+                                  <p:childTnLst>
+                                    <p:set>
+                                      <p:cBhvr>
+                                        <p:cTn id="16" dur="1" fill="hold">
+                                          <p:stCondLst>
+                                            <p:cond delay="0"/>
+                                          </p:stCondLst>
+                                        </p:cTn>
+                                        <p:tgtEl>
+                                          <p:spTgt spid="3">
+                                            <p:txEl>
+                                              <p:pRg st="3" end="3"/>
+                                            </p:txEl>
+                                          </p:spTgt>
+                                        </p:tgtEl>
+                                        <p:attrNameLst>
+                                          <p:attrName>style.visibility</p:attrName>
+                                        </p:attrNameLst>
+                                      </p:cBhvr>
+                                      <p:to>
+                                        <p:strVal val="visible"/>
+                                      </p:to>
+                                    </p:set>
+                                  </p:childTnLst>
+                                </p:cTn>
+                              </p:par>
+                              <p:par>
+                                <p:cTn id="17" presetID="1" presetClass="entr" presetSubtype="0" fill="hold" nodeType="withEffect">
+                                  <p:stCondLst>
+                                    <p:cond delay="0"/>
+                                  </p:stCondLst>
+                                  <p:childTnLst>
+                                    <p:set>
+                                      <p:cBhvr>
+                                        <p:cTn id="18" dur="1" fill="hold">
+                                          <p:stCondLst>
+                                            <p:cond delay="0"/>
+                                          </p:stCondLst>
+                                        </p:cTn>
+                                        <p:tgtEl>
+                                          <p:spTgt spid="3">
+                                            <p:txEl>
+                                              <p:pRg st="4" end="4"/>
+                                            </p:txEl>
+                                          </p:spTgt>
+                                        </p:tgtEl>
+                                        <p:attrNameLst>
+                                          <p:attrName>style.visibility</p:attrName>
+                                        </p:attrNameLst>
+                                      </p:cBhvr>
+                                      <p:to>
+                                        <p:strVal val="visible"/>
+                                      </p:to>
+                                    </p:set>
+                                  </p:childTnLst>
+                                </p:cTn>
+                              </p:par>
+                              <p:par>
+                                <p:cTn id="19" presetID="1" presetClass="entr" presetSubtype="0" fill="hold" nodeType="withEffect">
+                                  <p:stCondLst>
+                                    <p:cond delay="0"/>
+                                  </p:stCondLst>
+                                  <p:childTnLst>
+                                    <p:set>
+                                      <p:cBhvr>
+                                        <p:cTn id="20" dur="1" fill="hold">
+                                          <p:stCondLst>
+                                            <p:cond delay="0"/>
+                                          </p:stCondLst>
+                                        </p:cTn>
+                                        <p:tgtEl>
+                                          <p:spTgt spid="3">
+                                            <p:txEl>
+                                              <p:pRg st="5" end="5"/>
+                                            </p:txEl>
+                                          </p:spTgt>
+                                        </p:tgtEl>
+                                        <p:attrNameLst>
+                                          <p:attrName>style.visibility</p:attrName>
+                                        </p:attrNameLst>
+                                      </p:cBhvr>
+                                      <p:to>
+                                        <p:strVal val="visible"/>
+                                      </p:to>
+                                    </p:set>
+                                  </p:childTnLst>
+                                </p:cTn>
+                              </p:par>
+                              <p:par>
+                                <p:cTn id="21" presetID="1" presetClass="entr" presetSubtype="0" fill="hold" nodeType="withEffect">
+                                  <p:stCondLst>
+                                    <p:cond delay="0"/>
+                                  </p:stCondLst>
+                                  <p:childTnLst>
+                                    <p:set>
+                                      <p:cBhvr>
+                                        <p:cTn id="22" dur="1" fill="hold">
+                                          <p:stCondLst>
+                                            <p:cond delay="0"/>
+                                          </p:stCondLst>
+                                        </p:cTn>
+                                        <p:tgtEl>
+                                          <p:spTgt spid="3">
+                                            <p:txEl>
+                                              <p:pRg st="6" end="6"/>
+                                            </p:txEl>
+                                          </p:spTgt>
+                                        </p:tgtEl>
+                                        <p:attrNameLst>
+                                          <p:attrName>style.visibility</p:attrName>
+                                        </p:attrNameLst>
+                                      </p:cBhvr>
+                                      <p:to>
+                                        <p:strVal val="visible"/>
+                                      </p:to>
+                                    </p:set>
+                                  </p:childTnLst>
+                                </p:cTn>
+                              </p:par>
+                            </p:childTnLst>
+                          </p:cTn>
+                        </p:par>
+                      </p:childTnLst>
+                    </p:cTn>
+                  </p:par>
+                </p:childTnLst>
+              </p:cTn>
+              <p:prevCondLst>
+                <p:cond evt="onPrev" delay="0">
+                  <p:tgtEl>
+                    <p:sldTgt/>
+                  </p:tgtEl>
+                </p:cond>
+              </p:prevCondLst>
+              <p:nextCondLst>
+                <p:cond evt="onNext" delay="0">
+                  <p:tgtEl>
+                    <p:sldTgt/>
+                  </p:tgtEl>
+                </p:cond>
+              </p:nextCondLst>
+            </p:seq>
+          </p:childTnLst>
+        </p:cTn>
+      </p:par>
+    </p:tnLst>
+  </p:timing>
 </p:sld>
 </file>
 
@@ -18894,15 +20810,6 @@
 </file>
 
 <file path=customXml/item1.xml><?xml version="1.0" encoding="utf-8"?>
-<?mso-contentType ?>
-<FormTemplates xmlns="http://schemas.microsoft.com/sharepoint/v3/contenttype/forms">
-  <Display>DocumentLibraryForm</Display>
-  <Edit>DocumentLibraryForm</Edit>
-  <New>DocumentLibraryForm</New>
-</FormTemplates>
-</file>
-
-<file path=customXml/item2.xml><?xml version="1.0" encoding="utf-8"?>
 <ct:contentTypeSchema xmlns:ct="http://schemas.microsoft.com/office/2006/metadata/contentType" xmlns:ma="http://schemas.microsoft.com/office/2006/metadata/properties/metaAttributes" ct:_="" ma:_="" ma:contentTypeName="Document" ma:contentTypeID="0x01010079F111ED35F8CC479449609E8A0923A6" ma:contentTypeVersion="12" ma:contentTypeDescription="Create a new document." ma:contentTypeScope="" ma:versionID="fa6e671f1cd7e4d96ff9652be322dd5e">
   <xsd:schema xmlns:xsd="http://www.w3.org/2001/XMLSchema" xmlns:xs="http://www.w3.org/2001/XMLSchema" xmlns:p="http://schemas.microsoft.com/office/2006/metadata/properties" xmlns:ns2="71af3243-3dd4-4a8d-8c0d-dd76da1f02a5" xmlns:ns3="16c05727-aa75-4e4a-9b5f-8a80a1165891" targetNamespace="http://schemas.microsoft.com/office/2006/metadata/properties" ma:root="true" ma:fieldsID="4e2496f70b101db0b8013f30a071bbf7" ns2:_="" ns3:_="">
     <xsd:import namespace="71af3243-3dd4-4a8d-8c0d-dd76da1f02a5"/>
@@ -19123,6 +21030,15 @@
 </ct:contentTypeSchema>
 </file>
 
+<file path=customXml/item2.xml><?xml version="1.0" encoding="utf-8"?>
+<?mso-contentType ?>
+<FormTemplates xmlns="http://schemas.microsoft.com/sharepoint/v3/contenttype/forms">
+  <Display>DocumentLibraryForm</Display>
+  <Edit>DocumentLibraryForm</Edit>
+  <New>DocumentLibraryForm</New>
+</FormTemplates>
+</file>
+
 <file path=customXml/item3.xml><?xml version="1.0" encoding="utf-8"?>
 <p:properties xmlns:p="http://schemas.microsoft.com/office/2006/metadata/properties" xmlns:xsi="http://www.w3.org/2001/XMLSchema-instance" xmlns:pc="http://schemas.microsoft.com/office/infopath/2007/PartnerControls">
   <documentManagement>
@@ -19133,14 +21049,6 @@
 </file>
 
 <file path=customXml/itemProps1.xml><?xml version="1.0" encoding="utf-8"?>
-<ds:datastoreItem xmlns:ds="http://schemas.openxmlformats.org/officeDocument/2006/customXml" ds:itemID="{EBB7C387-AFDC-4FE3-A658-984B7F35F155}">
-  <ds:schemaRefs>
-    <ds:schemaRef ds:uri="http://schemas.microsoft.com/sharepoint/v3/contenttype/forms"/>
-  </ds:schemaRefs>
-</ds:datastoreItem>
-</file>
-
-<file path=customXml/itemProps2.xml><?xml version="1.0" encoding="utf-8"?>
 <ds:datastoreItem xmlns:ds="http://schemas.openxmlformats.org/officeDocument/2006/customXml" ds:itemID="{D6766BD6-F648-49AA-B7EC-13E75CECB99A}">
   <ds:schemaRefs>
     <ds:schemaRef ds:uri="http://schemas.microsoft.com/office/2006/metadata/contentType"/>
@@ -19159,18 +21067,26 @@
 </ds:datastoreItem>
 </file>
 
+<file path=customXml/itemProps2.xml><?xml version="1.0" encoding="utf-8"?>
+<ds:datastoreItem xmlns:ds="http://schemas.openxmlformats.org/officeDocument/2006/customXml" ds:itemID="{EBB7C387-AFDC-4FE3-A658-984B7F35F155}">
+  <ds:schemaRefs>
+    <ds:schemaRef ds:uri="http://schemas.microsoft.com/sharepoint/v3/contenttype/forms"/>
+  </ds:schemaRefs>
+</ds:datastoreItem>
+</file>
+
 <file path=customXml/itemProps3.xml><?xml version="1.0" encoding="utf-8"?>
 <ds:datastoreItem xmlns:ds="http://schemas.openxmlformats.org/officeDocument/2006/customXml" ds:itemID="{F4E32C0B-4052-44CB-9341-8AD8B2CC4712}">
   <ds:schemaRefs>
     <ds:schemaRef ds:uri="http://purl.org/dc/terms/"/>
+    <ds:schemaRef ds:uri="http://schemas.microsoft.com/office/2006/documentManagement/types"/>
+    <ds:schemaRef ds:uri="http://purl.org/dc/elements/1.1/"/>
+    <ds:schemaRef ds:uri="16c05727-aa75-4e4a-9b5f-8a80a1165891"/>
+    <ds:schemaRef ds:uri="71af3243-3dd4-4a8d-8c0d-dd76da1f02a5"/>
+    <ds:schemaRef ds:uri="http://schemas.microsoft.com/office/infopath/2007/PartnerControls"/>
+    <ds:schemaRef ds:uri="http://www.w3.org/XML/1998/namespace"/>
     <ds:schemaRef ds:uri="http://schemas.openxmlformats.org/package/2006/metadata/core-properties"/>
-    <ds:schemaRef ds:uri="16c05727-aa75-4e4a-9b5f-8a80a1165891"/>
-    <ds:schemaRef ds:uri="http://schemas.microsoft.com/office/2006/documentManagement/types"/>
-    <ds:schemaRef ds:uri="http://schemas.microsoft.com/office/infopath/2007/PartnerControls"/>
-    <ds:schemaRef ds:uri="http://purl.org/dc/elements/1.1/"/>
     <ds:schemaRef ds:uri="http://schemas.microsoft.com/office/2006/metadata/properties"/>
-    <ds:schemaRef ds:uri="71af3243-3dd4-4a8d-8c0d-dd76da1f02a5"/>
-    <ds:schemaRef ds:uri="http://www.w3.org/XML/1998/namespace"/>
     <ds:schemaRef ds:uri="http://purl.org/dc/dcmitype/"/>
   </ds:schemaRefs>
 </ds:datastoreItem>

--- a/presentation/IaC_Terraform.pptx
+++ b/presentation/IaC_Terraform.pptx
@@ -7668,7 +7668,10 @@
           <a:bodyPr/>
           <a:lstStyle/>
           <a:p>
-            <a:endParaRPr lang="en-US"/>
+            <a:r>
+              <a:rPr lang="en-US" dirty="0"/>
+              <a:t>Host PIN - 914 180</a:t>
+            </a:r>
           </a:p>
         </p:txBody>
       </p:sp>
@@ -7689,7 +7692,7 @@
           <a:p>
             <a:fld id="{D3F28A1F-3E69-47E5-AE93-E7F2155A242D}" type="slidenum">
               <a:rPr lang="en-US" smtClean="0"/>
-              <a:t>2</a:t>
+              <a:t>1</a:t>
             </a:fld>
             <a:endParaRPr lang="en-US" dirty="0"/>
           </a:p>
@@ -7698,7 +7701,7 @@
     </p:spTree>
     <p:extLst>
       <p:ext uri="{BB962C8B-B14F-4D97-AF65-F5344CB8AC3E}">
-        <p14:creationId xmlns:p14="http://schemas.microsoft.com/office/powerpoint/2010/main" val="3879334035"/>
+        <p14:creationId xmlns:p14="http://schemas.microsoft.com/office/powerpoint/2010/main" val="4122327635"/>
       </p:ext>
     </p:extLst>
   </p:cSld>
@@ -7752,125 +7755,7 @@
           <a:bodyPr/>
           <a:lstStyle/>
           <a:p>
-            <a:r>
-              <a:rPr lang="en-US" dirty="0"/>
-              <a:t>Conceptual Differences</a:t>
-            </a:r>
-          </a:p>
-          <a:p>
-            <a:pPr marL="171450" indent="-171450">
-              <a:buFontTx/>
-              <a:buChar char="-"/>
-            </a:pPr>
-            <a:r>
-              <a:rPr lang="en-US" dirty="0"/>
-              <a:t>Pets vs</a:t>
-            </a:r>
-            <a:r>
-              <a:rPr lang="en-US" baseline="0" dirty="0"/>
-              <a:t> Cattle</a:t>
-            </a:r>
-          </a:p>
-          <a:p>
-            <a:pPr marL="171450" indent="-171450">
-              <a:buFontTx/>
-              <a:buChar char="-"/>
-            </a:pPr>
-            <a:r>
-              <a:rPr lang="en-US" baseline="0" dirty="0"/>
-              <a:t>Pets</a:t>
-            </a:r>
-          </a:p>
-          <a:p>
-            <a:pPr marL="628650" lvl="1" indent="-171450">
-              <a:buFontTx/>
-              <a:buChar char="-"/>
-            </a:pPr>
-            <a:r>
-              <a:rPr lang="en-US" baseline="0" dirty="0" err="1"/>
-              <a:t>Indispensible</a:t>
-            </a:r>
-            <a:r>
-              <a:rPr lang="en-US" baseline="0" dirty="0"/>
-              <a:t> (unique)</a:t>
-            </a:r>
-          </a:p>
-          <a:p>
-            <a:pPr marL="628650" lvl="1" indent="-171450">
-              <a:buFontTx/>
-              <a:buChar char="-"/>
-            </a:pPr>
-            <a:r>
-              <a:rPr lang="en-US" baseline="0" dirty="0"/>
-              <a:t>Manually built</a:t>
-            </a:r>
-          </a:p>
-          <a:p>
-            <a:pPr marL="628650" lvl="1" indent="-171450">
-              <a:buFontTx/>
-              <a:buChar char="-"/>
-            </a:pPr>
-            <a:r>
-              <a:rPr lang="en-US" baseline="0" dirty="0"/>
-              <a:t>Managed by hand (fed)</a:t>
-            </a:r>
-          </a:p>
-          <a:p>
-            <a:pPr marL="628650" lvl="1" indent="-171450">
-              <a:buFontTx/>
-              <a:buChar char="-"/>
-            </a:pPr>
-            <a:r>
-              <a:rPr lang="en-US" baseline="0" dirty="0"/>
-              <a:t>Updated in Place</a:t>
-            </a:r>
-          </a:p>
-          <a:p>
-            <a:pPr marL="171450" lvl="0" indent="-171450">
-              <a:buFontTx/>
-              <a:buChar char="-"/>
-            </a:pPr>
-            <a:r>
-              <a:rPr lang="en-US" baseline="0" dirty="0"/>
-              <a:t>Cattle</a:t>
-            </a:r>
-          </a:p>
-          <a:p>
-            <a:pPr marL="628650" lvl="1" indent="-171450">
-              <a:buFontTx/>
-              <a:buChar char="-"/>
-            </a:pPr>
-            <a:r>
-              <a:rPr lang="en-US" baseline="0" dirty="0"/>
-              <a:t>Can be killed and easily replaced</a:t>
-            </a:r>
-          </a:p>
-          <a:p>
-            <a:pPr marL="628650" lvl="1" indent="-171450">
-              <a:buFontTx/>
-              <a:buChar char="-"/>
-            </a:pPr>
-            <a:r>
-              <a:rPr lang="en-US" baseline="0" dirty="0"/>
-              <a:t>Created by automated tools</a:t>
-            </a:r>
-          </a:p>
-          <a:p>
-            <a:pPr marL="628650" lvl="1" indent="-171450">
-              <a:buFontTx/>
-              <a:buChar char="-"/>
-            </a:pPr>
-            <a:r>
-              <a:rPr lang="en-US" baseline="0" dirty="0"/>
-              <a:t>No server is unique</a:t>
-            </a:r>
-          </a:p>
-          <a:p>
-            <a:pPr marL="628650" lvl="1" indent="-171450">
-              <a:buFontTx/>
-              <a:buChar char="-"/>
-            </a:pPr>
-            <a:endParaRPr lang="en-US" baseline="0" dirty="0"/>
+            <a:endParaRPr lang="en-US"/>
           </a:p>
         </p:txBody>
       </p:sp>
@@ -7891,7 +7776,7 @@
           <a:p>
             <a:fld id="{D3F28A1F-3E69-47E5-AE93-E7F2155A242D}" type="slidenum">
               <a:rPr lang="en-US" smtClean="0"/>
-              <a:t>4</a:t>
+              <a:t>2</a:t>
             </a:fld>
             <a:endParaRPr lang="en-US" dirty="0"/>
           </a:p>
@@ -7900,7 +7785,7 @@
     </p:spTree>
     <p:extLst>
       <p:ext uri="{BB962C8B-B14F-4D97-AF65-F5344CB8AC3E}">
-        <p14:creationId xmlns:p14="http://schemas.microsoft.com/office/powerpoint/2010/main" val="2735825633"/>
+        <p14:creationId xmlns:p14="http://schemas.microsoft.com/office/powerpoint/2010/main" val="3879334035"/>
       </p:ext>
     </p:extLst>
   </p:cSld>
@@ -7956,131 +7841,123 @@
           <a:p>
             <a:r>
               <a:rPr lang="en-US" dirty="0"/>
-              <a:t>Idempotence Example</a:t>
+              <a:t>Conceptual Differences</a:t>
+            </a:r>
+          </a:p>
+          <a:p>
+            <a:pPr marL="171450" indent="-171450">
+              <a:buFontTx/>
+              <a:buChar char="-"/>
+            </a:pPr>
+            <a:r>
+              <a:rPr lang="en-US" dirty="0"/>
+              <a:t>Pets vs</a:t>
             </a:r>
             <a:r>
               <a:rPr lang="en-US" baseline="0" dirty="0"/>
-              <a:t> – </a:t>
-            </a:r>
-            <a:r>
-              <a:rPr lang="en-US" sz="1200" b="0" i="0" u="none" strike="noStrike" kern="1200" dirty="0">
-                <a:solidFill>
-                  <a:schemeClr val="tx1"/>
-                </a:solidFill>
-                <a:effectLst/>
-                <a:latin typeface="+mn-lt"/>
-                <a:ea typeface="+mn-ea"/>
-                <a:cs typeface="+mn-cs"/>
-              </a:rPr>
-              <a:t>HTTP Get requests are (supposed to be) idempotent. Meaning they can be executed multiple times without altering the state of your data or application</a:t>
-            </a:r>
-          </a:p>
-          <a:p>
-            <a:endParaRPr lang="en-US" sz="1200" b="0" i="0" u="none" strike="noStrike" kern="1200" dirty="0">
-              <a:solidFill>
-                <a:schemeClr val="tx1"/>
-              </a:solidFill>
-              <a:effectLst/>
-              <a:latin typeface="+mn-lt"/>
-              <a:ea typeface="+mn-ea"/>
-              <a:cs typeface="+mn-cs"/>
-            </a:endParaRPr>
-          </a:p>
-          <a:p>
-            <a:pPr rtl="0"/>
-            <a:r>
-              <a:rPr lang="en-US" sz="1200" b="0" i="0" u="none" strike="noStrike" kern="1200" dirty="0" err="1">
-                <a:solidFill>
-                  <a:schemeClr val="tx1"/>
-                </a:solidFill>
-                <a:effectLst/>
-                <a:latin typeface="+mn-lt"/>
-                <a:ea typeface="+mn-ea"/>
-                <a:cs typeface="+mn-cs"/>
-              </a:rPr>
-              <a:t>IaC</a:t>
-            </a:r>
-            <a:r>
-              <a:rPr lang="en-US" sz="1200" b="0" i="0" u="none" strike="noStrike" kern="1200" baseline="0" dirty="0">
-                <a:solidFill>
-                  <a:schemeClr val="tx1"/>
-                </a:solidFill>
-                <a:effectLst/>
-                <a:latin typeface="+mn-lt"/>
-                <a:ea typeface="+mn-ea"/>
-                <a:cs typeface="+mn-cs"/>
-              </a:rPr>
-              <a:t> Idempotence - </a:t>
-            </a:r>
-            <a:r>
-              <a:rPr lang="en-US" sz="1200" b="0" i="0" u="none" strike="noStrike" kern="1200" dirty="0">
-                <a:solidFill>
-                  <a:schemeClr val="tx1"/>
-                </a:solidFill>
-                <a:effectLst/>
-                <a:latin typeface="+mn-lt"/>
-                <a:ea typeface="+mn-ea"/>
-                <a:cs typeface="+mn-cs"/>
-              </a:rPr>
-              <a:t>The </a:t>
-            </a:r>
-            <a:r>
-              <a:rPr lang="en-US" sz="1200" b="0" i="0" u="none" strike="noStrike" kern="1200" dirty="0" err="1">
-                <a:solidFill>
-                  <a:schemeClr val="tx1"/>
-                </a:solidFill>
-                <a:effectLst/>
-                <a:latin typeface="+mn-lt"/>
-                <a:ea typeface="+mn-ea"/>
-                <a:cs typeface="+mn-cs"/>
-              </a:rPr>
-              <a:t>IaC</a:t>
-            </a:r>
-            <a:r>
-              <a:rPr lang="en-US" sz="1200" b="0" i="0" u="none" strike="noStrike" kern="1200" dirty="0">
-                <a:solidFill>
-                  <a:schemeClr val="tx1"/>
-                </a:solidFill>
-                <a:effectLst/>
-                <a:latin typeface="+mn-lt"/>
-                <a:ea typeface="+mn-ea"/>
-                <a:cs typeface="+mn-cs"/>
-              </a:rPr>
-              <a:t> deployment command always sets the environment to the same configuration regardless of its starting state. Typically done by discarding the current environment</a:t>
-            </a:r>
-            <a:r>
-              <a:rPr lang="en-US" sz="1200" b="0" i="0" u="none" strike="noStrike" kern="1200" baseline="0" dirty="0">
-                <a:solidFill>
-                  <a:schemeClr val="tx1"/>
-                </a:solidFill>
-                <a:effectLst/>
-                <a:latin typeface="+mn-lt"/>
-                <a:ea typeface="+mn-ea"/>
-                <a:cs typeface="+mn-cs"/>
-              </a:rPr>
-              <a:t> </a:t>
-            </a:r>
-            <a:r>
-              <a:rPr lang="en-US" sz="1200" b="0" i="0" u="none" strike="noStrike" kern="1200" dirty="0">
-                <a:solidFill>
-                  <a:schemeClr val="tx1"/>
-                </a:solidFill>
-                <a:effectLst/>
-                <a:latin typeface="+mn-lt"/>
-                <a:ea typeface="+mn-ea"/>
-                <a:cs typeface="+mn-cs"/>
-              </a:rPr>
-              <a:t>and re-creating a fresh environment.</a:t>
-            </a:r>
-            <a:endParaRPr lang="en-US" b="0" dirty="0">
-              <a:effectLst/>
-            </a:endParaRPr>
-          </a:p>
-          <a:p>
-            <a:br>
-              <a:rPr lang="en-US" dirty="0"/>
-            </a:br>
-            <a:endParaRPr lang="en-US" dirty="0"/>
+              <a:t> Cattle</a:t>
+            </a:r>
+          </a:p>
+          <a:p>
+            <a:pPr marL="171450" indent="-171450">
+              <a:buFontTx/>
+              <a:buChar char="-"/>
+            </a:pPr>
+            <a:r>
+              <a:rPr lang="en-US" baseline="0" dirty="0"/>
+              <a:t>Pets</a:t>
+            </a:r>
+          </a:p>
+          <a:p>
+            <a:pPr marL="628650" lvl="1" indent="-171450">
+              <a:buFontTx/>
+              <a:buChar char="-"/>
+            </a:pPr>
+            <a:r>
+              <a:rPr lang="en-US" baseline="0" dirty="0" err="1"/>
+              <a:t>Indispensible</a:t>
+            </a:r>
+            <a:r>
+              <a:rPr lang="en-US" baseline="0" dirty="0"/>
+              <a:t> (unique)</a:t>
+            </a:r>
+          </a:p>
+          <a:p>
+            <a:pPr marL="628650" lvl="1" indent="-171450">
+              <a:buFontTx/>
+              <a:buChar char="-"/>
+            </a:pPr>
+            <a:r>
+              <a:rPr lang="en-US" baseline="0" dirty="0"/>
+              <a:t>Manually built</a:t>
+            </a:r>
+          </a:p>
+          <a:p>
+            <a:pPr marL="628650" lvl="1" indent="-171450">
+              <a:buFontTx/>
+              <a:buChar char="-"/>
+            </a:pPr>
+            <a:r>
+              <a:rPr lang="en-US" baseline="0" dirty="0"/>
+              <a:t>Managed by hand (fed)</a:t>
+            </a:r>
+          </a:p>
+          <a:p>
+            <a:pPr marL="628650" lvl="1" indent="-171450">
+              <a:buFontTx/>
+              <a:buChar char="-"/>
+            </a:pPr>
+            <a:r>
+              <a:rPr lang="en-US" baseline="0" dirty="0"/>
+              <a:t>Updated in Place</a:t>
+            </a:r>
+          </a:p>
+          <a:p>
+            <a:pPr marL="171450" lvl="0" indent="-171450">
+              <a:buFontTx/>
+              <a:buChar char="-"/>
+            </a:pPr>
+            <a:r>
+              <a:rPr lang="en-US" baseline="0" dirty="0"/>
+              <a:t>Cattle</a:t>
+            </a:r>
+          </a:p>
+          <a:p>
+            <a:pPr marL="628650" lvl="1" indent="-171450">
+              <a:buFontTx/>
+              <a:buChar char="-"/>
+            </a:pPr>
+            <a:r>
+              <a:rPr lang="en-US" baseline="0" dirty="0"/>
+              <a:t>Can be killed and easily replaced</a:t>
+            </a:r>
+          </a:p>
+          <a:p>
+            <a:pPr marL="628650" lvl="1" indent="-171450">
+              <a:buFontTx/>
+              <a:buChar char="-"/>
+            </a:pPr>
+            <a:r>
+              <a:rPr lang="en-US" baseline="0" dirty="0"/>
+              <a:t>Created by automated tools</a:t>
+            </a:r>
+          </a:p>
+          <a:p>
+            <a:pPr marL="628650" lvl="1" indent="-171450">
+              <a:buFontTx/>
+              <a:buChar char="-"/>
+            </a:pPr>
+            <a:r>
+              <a:rPr lang="en-US" baseline="0" dirty="0"/>
+              <a:t>No server is unique</a:t>
+            </a:r>
+          </a:p>
+          <a:p>
+            <a:pPr marL="628650" lvl="1" indent="-171450">
+              <a:buFontTx/>
+              <a:buChar char="-"/>
+            </a:pPr>
+            <a:endParaRPr lang="en-US" baseline="0" dirty="0"/>
           </a:p>
         </p:txBody>
       </p:sp>
@@ -8101,7 +7978,7 @@
           <a:p>
             <a:fld id="{D3F28A1F-3E69-47E5-AE93-E7F2155A242D}" type="slidenum">
               <a:rPr lang="en-US" smtClean="0"/>
-              <a:t>5</a:t>
+              <a:t>4</a:t>
             </a:fld>
             <a:endParaRPr lang="en-US" dirty="0"/>
           </a:p>
@@ -8110,7 +7987,7 @@
     </p:spTree>
     <p:extLst>
       <p:ext uri="{BB962C8B-B14F-4D97-AF65-F5344CB8AC3E}">
-        <p14:creationId xmlns:p14="http://schemas.microsoft.com/office/powerpoint/2010/main" val="3611826108"/>
+        <p14:creationId xmlns:p14="http://schemas.microsoft.com/office/powerpoint/2010/main" val="2735825633"/>
       </p:ext>
     </p:extLst>
   </p:cSld>
@@ -8166,116 +8043,131 @@
           <a:p>
             <a:r>
               <a:rPr lang="en-US" dirty="0"/>
-              <a:t>Here</a:t>
+              <a:t>Idempotence Example</a:t>
             </a:r>
             <a:r>
               <a:rPr lang="en-US" baseline="0" dirty="0"/>
-              <a:t> is a list of some of the popular </a:t>
-            </a:r>
-            <a:r>
-              <a:rPr lang="en-US" baseline="0" dirty="0" err="1"/>
+              <a:t> – </a:t>
+            </a:r>
+            <a:r>
+              <a:rPr lang="en-US" sz="1200" b="0" i="0" u="none" strike="noStrike" kern="1200" dirty="0">
+                <a:solidFill>
+                  <a:schemeClr val="tx1"/>
+                </a:solidFill>
+                <a:effectLst/>
+                <a:latin typeface="+mn-lt"/>
+                <a:ea typeface="+mn-ea"/>
+                <a:cs typeface="+mn-cs"/>
+              </a:rPr>
+              <a:t>HTTP Get requests are (supposed to be) idempotent. Meaning they can be executed multiple times without altering the state of your data or application</a:t>
+            </a:r>
+          </a:p>
+          <a:p>
+            <a:endParaRPr lang="en-US" sz="1200" b="0" i="0" u="none" strike="noStrike" kern="1200" dirty="0">
+              <a:solidFill>
+                <a:schemeClr val="tx1"/>
+              </a:solidFill>
+              <a:effectLst/>
+              <a:latin typeface="+mn-lt"/>
+              <a:ea typeface="+mn-ea"/>
+              <a:cs typeface="+mn-cs"/>
+            </a:endParaRPr>
+          </a:p>
+          <a:p>
+            <a:pPr rtl="0"/>
+            <a:r>
+              <a:rPr lang="en-US" sz="1200" b="0" i="0" u="none" strike="noStrike" kern="1200" dirty="0" err="1">
+                <a:solidFill>
+                  <a:schemeClr val="tx1"/>
+                </a:solidFill>
+                <a:effectLst/>
+                <a:latin typeface="+mn-lt"/>
+                <a:ea typeface="+mn-ea"/>
+                <a:cs typeface="+mn-cs"/>
+              </a:rPr>
               <a:t>IaC</a:t>
             </a:r>
             <a:r>
-              <a:rPr lang="en-US" baseline="0" dirty="0"/>
-              <a:t> implementations.  This is not meant to be prescriptive or exhaustive.  There are other ways of doing </a:t>
-            </a:r>
-            <a:r>
-              <a:rPr lang="en-US" baseline="0" dirty="0" err="1"/>
+              <a:rPr lang="en-US" sz="1200" b="0" i="0" u="none" strike="noStrike" kern="1200" baseline="0" dirty="0">
+                <a:solidFill>
+                  <a:schemeClr val="tx1"/>
+                </a:solidFill>
+                <a:effectLst/>
+                <a:latin typeface="+mn-lt"/>
+                <a:ea typeface="+mn-ea"/>
+                <a:cs typeface="+mn-cs"/>
+              </a:rPr>
+              <a:t> Idempotence - </a:t>
+            </a:r>
+            <a:r>
+              <a:rPr lang="en-US" sz="1200" b="0" i="0" u="none" strike="noStrike" kern="1200" dirty="0">
+                <a:solidFill>
+                  <a:schemeClr val="tx1"/>
+                </a:solidFill>
+                <a:effectLst/>
+                <a:latin typeface="+mn-lt"/>
+                <a:ea typeface="+mn-ea"/>
+                <a:cs typeface="+mn-cs"/>
+              </a:rPr>
+              <a:t>The </a:t>
+            </a:r>
+            <a:r>
+              <a:rPr lang="en-US" sz="1200" b="0" i="0" u="none" strike="noStrike" kern="1200" dirty="0" err="1">
+                <a:solidFill>
+                  <a:schemeClr val="tx1"/>
+                </a:solidFill>
+                <a:effectLst/>
+                <a:latin typeface="+mn-lt"/>
+                <a:ea typeface="+mn-ea"/>
+                <a:cs typeface="+mn-cs"/>
+              </a:rPr>
               <a:t>IaC</a:t>
             </a:r>
             <a:r>
-              <a:rPr lang="en-US" baseline="0" dirty="0"/>
-              <a:t> without using one of these implementations.</a:t>
-            </a:r>
-          </a:p>
-          <a:p>
-            <a:endParaRPr lang="en-US" baseline="0" dirty="0"/>
-          </a:p>
-          <a:p>
-            <a:pPr marL="171450" indent="-171450">
-              <a:buFontTx/>
-              <a:buChar char="-"/>
-            </a:pPr>
-            <a:r>
-              <a:rPr lang="en-US" baseline="0" dirty="0"/>
-              <a:t>ARM Templates ( Azure Resource Manager ) </a:t>
-            </a:r>
-          </a:p>
-          <a:p>
-            <a:pPr marL="171450" indent="-171450">
-              <a:buFontTx/>
-              <a:buChar char="-"/>
-            </a:pPr>
-            <a:r>
-              <a:rPr lang="en-US" baseline="0" dirty="0"/>
-              <a:t>Library of Scripts</a:t>
-            </a:r>
-          </a:p>
-          <a:p>
-            <a:pPr marL="628650" lvl="1" indent="-171450">
-              <a:buFontTx/>
-              <a:buChar char="-"/>
-            </a:pPr>
-            <a:r>
-              <a:rPr lang="en-US" baseline="0" dirty="0"/>
-              <a:t>Azure CLI</a:t>
-            </a:r>
-          </a:p>
-          <a:p>
-            <a:pPr marL="628650" lvl="1" indent="-171450">
-              <a:buFontTx/>
-              <a:buChar char="-"/>
-            </a:pPr>
-            <a:r>
-              <a:rPr lang="en-US" baseline="0" dirty="0" err="1"/>
-              <a:t>Powershell</a:t>
-            </a:r>
-            <a:endParaRPr lang="en-US" baseline="0" dirty="0"/>
-          </a:p>
-          <a:p>
-            <a:pPr marL="628650" lvl="1" indent="-171450">
-              <a:buFontTx/>
-              <a:buChar char="-"/>
-            </a:pPr>
-            <a:r>
-              <a:rPr lang="en-US" baseline="0" dirty="0"/>
-              <a:t>Bash</a:t>
-            </a:r>
-          </a:p>
-          <a:p>
-            <a:pPr marL="0" lvl="0" indent="0">
-              <a:buFontTx/>
-              <a:buNone/>
-            </a:pPr>
-            <a:endParaRPr lang="en-US" baseline="0" dirty="0"/>
-          </a:p>
-          <a:p>
-            <a:pPr marL="0" lvl="0" indent="0">
-              <a:buFontTx/>
-              <a:buNone/>
-            </a:pPr>
-            <a:r>
-              <a:rPr lang="en-US" baseline="0" dirty="0"/>
-              <a:t>One thing to note about CloudFormation is it is proprietary to AWS.</a:t>
-            </a:r>
-          </a:p>
-          <a:p>
-            <a:pPr marL="0" lvl="0" indent="0">
-              <a:buFontTx/>
-              <a:buNone/>
-            </a:pPr>
-            <a:endParaRPr lang="en-US" baseline="0" dirty="0"/>
-          </a:p>
-          <a:p>
-            <a:pPr marL="0" lvl="0" indent="0">
-              <a:buFontTx/>
-              <a:buNone/>
-            </a:pPr>
-            <a:r>
-              <a:rPr lang="en-US" baseline="0" dirty="0"/>
-              <a:t>Bill Sinks Had mentioned another Farm Credit is utilizing Chef currently</a:t>
-            </a:r>
+              <a:rPr lang="en-US" sz="1200" b="0" i="0" u="none" strike="noStrike" kern="1200" dirty="0">
+                <a:solidFill>
+                  <a:schemeClr val="tx1"/>
+                </a:solidFill>
+                <a:effectLst/>
+                <a:latin typeface="+mn-lt"/>
+                <a:ea typeface="+mn-ea"/>
+                <a:cs typeface="+mn-cs"/>
+              </a:rPr>
+              <a:t> deployment command always sets the environment to the same configuration regardless of its starting state. Typically done by discarding the current environment</a:t>
+            </a:r>
+            <a:r>
+              <a:rPr lang="en-US" sz="1200" b="0" i="0" u="none" strike="noStrike" kern="1200" baseline="0" dirty="0">
+                <a:solidFill>
+                  <a:schemeClr val="tx1"/>
+                </a:solidFill>
+                <a:effectLst/>
+                <a:latin typeface="+mn-lt"/>
+                <a:ea typeface="+mn-ea"/>
+                <a:cs typeface="+mn-cs"/>
+              </a:rPr>
+              <a:t> </a:t>
+            </a:r>
+            <a:r>
+              <a:rPr lang="en-US" sz="1200" b="0" i="0" u="none" strike="noStrike" kern="1200" dirty="0">
+                <a:solidFill>
+                  <a:schemeClr val="tx1"/>
+                </a:solidFill>
+                <a:effectLst/>
+                <a:latin typeface="+mn-lt"/>
+                <a:ea typeface="+mn-ea"/>
+                <a:cs typeface="+mn-cs"/>
+              </a:rPr>
+              <a:t>and re-creating a fresh environment.</a:t>
+            </a:r>
+            <a:endParaRPr lang="en-US" b="0" dirty="0">
+              <a:effectLst/>
+            </a:endParaRPr>
+          </a:p>
+          <a:p>
+            <a:br>
+              <a:rPr lang="en-US" dirty="0"/>
+            </a:br>
+            <a:endParaRPr lang="en-US" dirty="0"/>
           </a:p>
         </p:txBody>
       </p:sp>
@@ -8296,6 +8188,201 @@
           <a:p>
             <a:fld id="{D3F28A1F-3E69-47E5-AE93-E7F2155A242D}" type="slidenum">
               <a:rPr lang="en-US" smtClean="0"/>
+              <a:t>5</a:t>
+            </a:fld>
+            <a:endParaRPr lang="en-US" dirty="0"/>
+          </a:p>
+        </p:txBody>
+      </p:sp>
+    </p:spTree>
+    <p:extLst>
+      <p:ext uri="{BB962C8B-B14F-4D97-AF65-F5344CB8AC3E}">
+        <p14:creationId xmlns:p14="http://schemas.microsoft.com/office/powerpoint/2010/main" val="3611826108"/>
+      </p:ext>
+    </p:extLst>
+  </p:cSld>
+  <p:clrMapOvr>
+    <a:masterClrMapping/>
+  </p:clrMapOvr>
+</p:notes>
+</file>
+
+<file path=ppt/notesSlides/notesSlide5.xml><?xml version="1.0" encoding="utf-8"?>
+<p:notes xmlns:a="http://schemas.openxmlformats.org/drawingml/2006/main" xmlns:r="http://schemas.openxmlformats.org/officeDocument/2006/relationships" xmlns:p="http://schemas.openxmlformats.org/presentationml/2006/main">
+  <p:cSld>
+    <p:spTree>
+      <p:nvGrpSpPr>
+        <p:cNvPr id="1" name=""/>
+        <p:cNvGrpSpPr/>
+        <p:nvPr/>
+      </p:nvGrpSpPr>
+      <p:grpSpPr>
+        <a:xfrm>
+          <a:off x="0" y="0"/>
+          <a:ext cx="0" cy="0"/>
+          <a:chOff x="0" y="0"/>
+          <a:chExt cx="0" cy="0"/>
+        </a:xfrm>
+      </p:grpSpPr>
+      <p:sp>
+        <p:nvSpPr>
+          <p:cNvPr id="2" name="Slide Image Placeholder 1"/>
+          <p:cNvSpPr>
+            <a:spLocks noGrp="1" noRot="1" noChangeAspect="1"/>
+          </p:cNvSpPr>
+          <p:nvPr>
+            <p:ph type="sldImg"/>
+          </p:nvPr>
+        </p:nvSpPr>
+        <p:spPr/>
+      </p:sp>
+      <p:sp>
+        <p:nvSpPr>
+          <p:cNvPr id="3" name="Notes Placeholder 2"/>
+          <p:cNvSpPr>
+            <a:spLocks noGrp="1"/>
+          </p:cNvSpPr>
+          <p:nvPr>
+            <p:ph type="body" idx="1"/>
+          </p:nvPr>
+        </p:nvSpPr>
+        <p:spPr/>
+        <p:txBody>
+          <a:bodyPr/>
+          <a:lstStyle/>
+          <a:p>
+            <a:r>
+              <a:rPr lang="en-US" dirty="0"/>
+              <a:t>Here</a:t>
+            </a:r>
+            <a:r>
+              <a:rPr lang="en-US" baseline="0" dirty="0"/>
+              <a:t> is a list of some of the popular </a:t>
+            </a:r>
+            <a:r>
+              <a:rPr lang="en-US" baseline="0" dirty="0" err="1"/>
+              <a:t>IaC</a:t>
+            </a:r>
+            <a:r>
+              <a:rPr lang="en-US" baseline="0" dirty="0"/>
+              <a:t> implementations.  This is not meant to be prescriptive or exhaustive.  There are other ways of doing </a:t>
+            </a:r>
+            <a:r>
+              <a:rPr lang="en-US" baseline="0" dirty="0" err="1"/>
+              <a:t>IaC</a:t>
+            </a:r>
+            <a:r>
+              <a:rPr lang="en-US" baseline="0" dirty="0"/>
+              <a:t> without using one of these implementations.</a:t>
+            </a:r>
+          </a:p>
+          <a:p>
+            <a:endParaRPr lang="en-US" baseline="0" dirty="0"/>
+          </a:p>
+          <a:p>
+            <a:pPr marL="171450" indent="-171450">
+              <a:buFontTx/>
+              <a:buChar char="-"/>
+            </a:pPr>
+            <a:r>
+              <a:rPr lang="en-US" baseline="0" dirty="0"/>
+              <a:t>ARM Templates ( Azure Resource Manager ) </a:t>
+            </a:r>
+          </a:p>
+          <a:p>
+            <a:pPr marL="171450" indent="-171450">
+              <a:buFontTx/>
+              <a:buChar char="-"/>
+            </a:pPr>
+            <a:r>
+              <a:rPr lang="en-US" baseline="0" dirty="0"/>
+              <a:t>Library of Scripts</a:t>
+            </a:r>
+          </a:p>
+          <a:p>
+            <a:pPr marL="628650" lvl="1" indent="-171450">
+              <a:buFontTx/>
+              <a:buChar char="-"/>
+            </a:pPr>
+            <a:r>
+              <a:rPr lang="en-US" baseline="0" dirty="0"/>
+              <a:t>Azure CLI</a:t>
+            </a:r>
+          </a:p>
+          <a:p>
+            <a:pPr marL="628650" lvl="1" indent="-171450">
+              <a:buFontTx/>
+              <a:buChar char="-"/>
+            </a:pPr>
+            <a:r>
+              <a:rPr lang="en-US" baseline="0" dirty="0" err="1"/>
+              <a:t>Powershell</a:t>
+            </a:r>
+            <a:endParaRPr lang="en-US" baseline="0" dirty="0"/>
+          </a:p>
+          <a:p>
+            <a:pPr marL="628650" lvl="1" indent="-171450">
+              <a:buFontTx/>
+              <a:buChar char="-"/>
+            </a:pPr>
+            <a:r>
+              <a:rPr lang="en-US" baseline="0" dirty="0"/>
+              <a:t>Bash</a:t>
+            </a:r>
+          </a:p>
+          <a:p>
+            <a:pPr marL="0" lvl="0" indent="0">
+              <a:buFontTx/>
+              <a:buNone/>
+            </a:pPr>
+            <a:endParaRPr lang="en-US" baseline="0" dirty="0"/>
+          </a:p>
+          <a:p>
+            <a:pPr marL="0" lvl="0" indent="0">
+              <a:buFontTx/>
+              <a:buNone/>
+            </a:pPr>
+            <a:r>
+              <a:rPr lang="en-US" baseline="0" dirty="0"/>
+              <a:t>One thing to note about CloudFormation is it is proprietary to AWS.</a:t>
+            </a:r>
+          </a:p>
+          <a:p>
+            <a:pPr marL="0" lvl="0" indent="0">
+              <a:buFontTx/>
+              <a:buNone/>
+            </a:pPr>
+            <a:endParaRPr lang="en-US" baseline="0" dirty="0"/>
+          </a:p>
+          <a:p>
+            <a:pPr marL="0" lvl="0" indent="0">
+              <a:buFontTx/>
+              <a:buNone/>
+            </a:pPr>
+            <a:r>
+              <a:rPr lang="en-US" baseline="0" dirty="0"/>
+              <a:t>Bill Sinks Had mentioned another Farm Credit is utilizing Chef currently</a:t>
+            </a:r>
+          </a:p>
+        </p:txBody>
+      </p:sp>
+      <p:sp>
+        <p:nvSpPr>
+          <p:cNvPr id="4" name="Slide Number Placeholder 3"/>
+          <p:cNvSpPr>
+            <a:spLocks noGrp="1"/>
+          </p:cNvSpPr>
+          <p:nvPr>
+            <p:ph type="sldNum" sz="quarter" idx="5"/>
+          </p:nvPr>
+        </p:nvSpPr>
+        <p:spPr/>
+        <p:txBody>
+          <a:bodyPr/>
+          <a:lstStyle/>
+          <a:p>
+            <a:fld id="{D3F28A1F-3E69-47E5-AE93-E7F2155A242D}" type="slidenum">
+              <a:rPr lang="en-US" smtClean="0"/>
               <a:t>6</a:t>
             </a:fld>
             <a:endParaRPr lang="en-US" dirty="0"/>
@@ -8315,7 +8402,7 @@
 </p:notes>
 </file>
 
-<file path=ppt/notesSlides/notesSlide5.xml><?xml version="1.0" encoding="utf-8"?>
+<file path=ppt/notesSlides/notesSlide6.xml><?xml version="1.0" encoding="utf-8"?>
 <p:notes xmlns:a="http://schemas.openxmlformats.org/drawingml/2006/main" xmlns:r="http://schemas.openxmlformats.org/officeDocument/2006/relationships" xmlns:p="http://schemas.openxmlformats.org/presentationml/2006/main">
   <p:cSld>
     <p:spTree>
@@ -12791,13 +12878,13 @@
           </p:nvPr>
         </p:nvPicPr>
         <p:blipFill>
-          <a:blip r:embed="rId2">
+          <a:blip r:embed="rId3">
             <a:extLst>
               <a:ext uri="{28A0092B-C50C-407E-A947-70E740481C1C}">
                 <a14:useLocalDpi xmlns:a14="http://schemas.microsoft.com/office/drawing/2010/main" val="0"/>
               </a:ext>
               <a:ext uri="{837473B0-CC2E-450A-ABE3-18F120FF3D39}">
-                <a1611:picAttrSrcUrl xmlns:a1611="http://schemas.microsoft.com/office/drawing/2016/11/main" r:id="rId3"/>
+                <a1611:picAttrSrcUrl xmlns:a1611="http://schemas.microsoft.com/office/drawing/2016/11/main" r:id="rId4"/>
               </a:ext>
             </a:extLst>
           </a:blip>
@@ -12841,7 +12928,7 @@
           <a:p>
             <a:r>
               <a:rPr lang="en-US" sz="900">
-                <a:hlinkClick r:id="rId3" tooltip="http://www.pngall.com/innovation-png"/>
+                <a:hlinkClick r:id="rId4" tooltip="http://www.pngall.com/innovation-png"/>
               </a:rPr>
               <a:t>This Photo</a:t>
             </a:r>
@@ -12851,7 +12938,7 @@
             </a:r>
             <a:r>
               <a:rPr lang="en-US" sz="900">
-                <a:hlinkClick r:id="rId4" tooltip="https://creativecommons.org/licenses/by-nc/3.0/"/>
+                <a:hlinkClick r:id="rId5" tooltip="https://creativecommons.org/licenses/by-nc/3.0/"/>
               </a:rPr>
               <a:t>CC BY-NC</a:t>
             </a:r>
